--- a/pptx_source/PhysiCell-Template (v4).pptx
+++ b/pptx_source/PhysiCell-Template (v4).pptx
@@ -3595,50 +3595,50 @@
     </dgm:pt>
   </dgm:ptLst>
   <dgm:cxnLst>
-    <dgm:cxn modelId="{50D0AE0F-DCDC-49C7-8D78-C153BF679F26}" type="presOf" srcId="{85452EA6-E65B-4EAA-AEB0-46AD40CA61CC}" destId="{1D6F54A5-5F39-4411-B9C9-3D1BD9E3D57C}" srcOrd="0" destOrd="0" presId="urn:microsoft.com/office/officeart/2005/8/layout/lProcess2"/>
-    <dgm:cxn modelId="{A4131196-11C7-4F23-A846-8CDBE52E1CC0}" srcId="{462FC66C-4537-46DD-AD09-5311AEB55B78}" destId="{59B5020B-1AC8-47B8-9EF2-24376FD5E687}" srcOrd="1" destOrd="0" parTransId="{C431ADEA-A30C-4BB7-8FB9-612083D3EA31}" sibTransId="{9C2584B4-F51B-41E0-9E28-7C151850817A}"/>
+    <dgm:cxn modelId="{98C682F2-22C5-45A0-8B91-2FD65CF4071F}" srcId="{462FC66C-4537-46DD-AD09-5311AEB55B78}" destId="{4A7BCF0D-4FFE-4F2F-B27D-1824C725CA4B}" srcOrd="0" destOrd="0" parTransId="{DF69E87C-E1AF-4BAC-BE5A-F14FF9EAF157}" sibTransId="{8050A57E-EC17-4A2B-917A-17A9C9A4C27A}"/>
+    <dgm:cxn modelId="{38F357BC-3F91-4BE8-BB77-3027E16049B1}" type="presOf" srcId="{462FC66C-4537-46DD-AD09-5311AEB55B78}" destId="{D9324906-E447-4BA7-89A0-138AF55AB108}" srcOrd="0" destOrd="0" presId="urn:microsoft.com/office/officeart/2005/8/layout/lProcess2"/>
+    <dgm:cxn modelId="{5BFBBF46-1C86-4A8B-81AA-2B301C4C4529}" srcId="{69CAD96F-2214-437D-976F-BB2FCB1E233B}" destId="{4E9F7669-3178-49E3-B22A-90FE39C04A5C}" srcOrd="5" destOrd="0" parTransId="{42F8F550-EC62-4FF2-8663-EB2C3AA16569}" sibTransId="{60013915-9750-4E21-9484-E0BD579A9479}"/>
+    <dgm:cxn modelId="{0202E0FA-51AA-4AEB-92C1-82D0279BD115}" type="presOf" srcId="{4A7BCF0D-4FFE-4F2F-B27D-1824C725CA4B}" destId="{DC5490E9-8F4F-4759-A540-A08BF90B6525}" srcOrd="0" destOrd="0" presId="urn:microsoft.com/office/officeart/2005/8/layout/lProcess2"/>
+    <dgm:cxn modelId="{F58E3E00-7732-40D9-A8C1-C95CC2076B0B}" srcId="{4A7BCF0D-4FFE-4F2F-B27D-1824C725CA4B}" destId="{B6F319DA-C5C2-4A54-A07F-7A8DB2B6959B}" srcOrd="0" destOrd="0" parTransId="{87D30DE8-EE5F-4960-9255-259172AC7D1D}" sibTransId="{031BED5F-362B-4DEC-867D-CB3CD2543FC4}"/>
+    <dgm:cxn modelId="{A76185DF-8766-452F-9812-F0A1A35183D3}" srcId="{59B5020B-1AC8-47B8-9EF2-24376FD5E687}" destId="{B2F5A533-2A82-4D70-9C54-2A6D0C7B07CE}" srcOrd="5" destOrd="0" parTransId="{3FC89C03-417F-4247-957A-9E782034C94A}" sibTransId="{86E79E4B-460D-4861-91CA-C93EB5601635}"/>
+    <dgm:cxn modelId="{F15FFB21-0634-4830-85C9-EA1D9B188FA3}" type="presOf" srcId="{15CD747F-BAD5-4011-BDEF-335AF8C7B76C}" destId="{4068BB7D-EFA3-41A0-B6D2-240ADF1616CA}" srcOrd="0" destOrd="0" presId="urn:microsoft.com/office/officeart/2005/8/layout/lProcess2"/>
+    <dgm:cxn modelId="{B7D87BB0-1A15-45E8-B6C0-0FDA1788C79D}" type="presOf" srcId="{07BC5A8B-BE8B-47A1-8494-8F2028B71C5B}" destId="{9CF60F40-9CE7-41AE-8463-5ABE159E3084}" srcOrd="0" destOrd="0" presId="urn:microsoft.com/office/officeart/2005/8/layout/lProcess2"/>
+    <dgm:cxn modelId="{5C686A13-6F24-49D8-8B94-324A50A0955D}" srcId="{4A7BCF0D-4FFE-4F2F-B27D-1824C725CA4B}" destId="{357B945D-32D3-4C10-9960-1A5EA72EBF4C}" srcOrd="1" destOrd="0" parTransId="{BA264BFB-03C5-4D62-A155-31D047C24ADE}" sibTransId="{BCA0F4B0-A24E-41B5-87EB-0E8A0E5ADA60}"/>
+    <dgm:cxn modelId="{491B2751-CE05-4C2D-8FCF-CB7B64357C3E}" type="presOf" srcId="{357B945D-32D3-4C10-9960-1A5EA72EBF4C}" destId="{53534D2A-6642-4AD6-954B-D5E613AF6DCA}" srcOrd="0" destOrd="0" presId="urn:microsoft.com/office/officeart/2005/8/layout/lProcess2"/>
+    <dgm:cxn modelId="{184EB23F-CE54-4556-A6CC-6245C61E005A}" type="presOf" srcId="{FFCA02A8-929B-4DB5-87E4-BC38B9028C7A}" destId="{2CDFC7E5-5066-41D0-929E-6EBA1C8C9E81}" srcOrd="0" destOrd="0" presId="urn:microsoft.com/office/officeart/2005/8/layout/lProcess2"/>
+    <dgm:cxn modelId="{B12AF41E-EF93-4B15-B317-3810099FAA60}" type="presOf" srcId="{176985DD-EFF6-40B3-81BC-C326751AF9C9}" destId="{DFC71E51-C3B7-48B8-AA5F-3CE6127C7791}" srcOrd="0" destOrd="0" presId="urn:microsoft.com/office/officeart/2005/8/layout/lProcess2"/>
+    <dgm:cxn modelId="{13D616C2-1FF7-404A-99F8-17F5E987B943}" srcId="{59B5020B-1AC8-47B8-9EF2-24376FD5E687}" destId="{39A31B4E-5D22-483A-914D-9F51B822D9C1}" srcOrd="1" destOrd="0" parTransId="{845056AE-8833-4BBA-A151-6D3163E6D7E3}" sibTransId="{83C6F3F2-F5B5-41DC-9276-5A212CBF8D7F}"/>
+    <dgm:cxn modelId="{18B0D01E-2A26-4525-BFB5-F119F1501EA5}" srcId="{69CAD96F-2214-437D-976F-BB2FCB1E233B}" destId="{0B13AEB8-82EE-4602-8A0F-9B86D61DF541}" srcOrd="3" destOrd="0" parTransId="{FCFE9C32-A544-47AA-BBBA-C92EDF194356}" sibTransId="{37F3AC17-CD03-43B1-A846-3026EB50A574}"/>
+    <dgm:cxn modelId="{14E033F0-164C-4CE6-85D1-99400B91C757}" srcId="{59B5020B-1AC8-47B8-9EF2-24376FD5E687}" destId="{C3B5C5DA-A5EB-444D-BAE8-ACA75F67289F}" srcOrd="3" destOrd="0" parTransId="{198F12F2-A73A-4FFE-A567-3C0DFF941EDF}" sibTransId="{44C655FF-F922-4A12-9114-D3A24963BD8A}"/>
+    <dgm:cxn modelId="{BD7AE2AF-1A9D-486A-89C8-31A86E825419}" type="presOf" srcId="{116F4389-3F63-4C96-B313-A54E764C2F14}" destId="{4E717ADA-8AED-4C30-AE38-E830D88E8E44}" srcOrd="0" destOrd="0" presId="urn:microsoft.com/office/officeart/2005/8/layout/lProcess2"/>
     <dgm:cxn modelId="{FE09B8FC-0649-4EB6-AE36-48CC4A5CF91E}" srcId="{59B5020B-1AC8-47B8-9EF2-24376FD5E687}" destId="{116F4389-3F63-4C96-B313-A54E764C2F14}" srcOrd="0" destOrd="0" parTransId="{8B7D1A81-C2A3-4286-A6EC-80F9E5760037}" sibTransId="{B3B1B2ED-34B0-44AD-B0BD-D77B5EF33139}"/>
     <dgm:cxn modelId="{7C604408-3285-4D41-BF39-ACA0019C23D3}" type="presOf" srcId="{B6F319DA-C5C2-4A54-A07F-7A8DB2B6959B}" destId="{B88ECA14-0AAE-4BD6-BE63-F40B3F9D0DA0}" srcOrd="0" destOrd="0" presId="urn:microsoft.com/office/officeart/2005/8/layout/lProcess2"/>
+    <dgm:cxn modelId="{50D0AE0F-DCDC-49C7-8D78-C153BF679F26}" type="presOf" srcId="{85452EA6-E65B-4EAA-AEB0-46AD40CA61CC}" destId="{1D6F54A5-5F39-4411-B9C9-3D1BD9E3D57C}" srcOrd="0" destOrd="0" presId="urn:microsoft.com/office/officeart/2005/8/layout/lProcess2"/>
+    <dgm:cxn modelId="{CA4B39A5-5B01-49D4-8691-4D8E218487EF}" srcId="{69CAD96F-2214-437D-976F-BB2FCB1E233B}" destId="{176985DD-EFF6-40B3-81BC-C326751AF9C9}" srcOrd="4" destOrd="0" parTransId="{461D0263-D31C-49C3-BA7E-7622827DB943}" sibTransId="{5DE664FC-F91A-4387-803B-D06490A97A2F}"/>
+    <dgm:cxn modelId="{00A8D807-3465-4284-A915-7A7E932B85C5}" srcId="{59B5020B-1AC8-47B8-9EF2-24376FD5E687}" destId="{0168AD56-580F-49F5-8408-147510692D17}" srcOrd="2" destOrd="0" parTransId="{F018864D-65F3-425C-8F5B-0FD6804484D2}" sibTransId="{00BE2C1C-ADBE-429B-87C8-560F6A3668FC}"/>
+    <dgm:cxn modelId="{A366FA52-AB95-4C8F-BB92-A0C3E89EA6D2}" type="presOf" srcId="{69CAD96F-2214-437D-976F-BB2FCB1E233B}" destId="{F2CEB691-BF95-401E-AD92-83009CAEC48C}" srcOrd="0" destOrd="0" presId="urn:microsoft.com/office/officeart/2005/8/layout/lProcess2"/>
+    <dgm:cxn modelId="{3D16ABAF-A023-490B-9E8B-C8E7C4ED4416}" type="presOf" srcId="{A7D38405-79D5-4F88-A68D-BFA4553F6E22}" destId="{1C09694C-BC2D-4EB3-A0ED-C47CEDA2DF7C}" srcOrd="0" destOrd="0" presId="urn:microsoft.com/office/officeart/2005/8/layout/lProcess2"/>
+    <dgm:cxn modelId="{753154B3-DCB2-4FF7-8E98-36CDDEDC3D4F}" type="presOf" srcId="{4A7BCF0D-4FFE-4F2F-B27D-1824C725CA4B}" destId="{2421614A-F5EE-4914-B2D7-974A8A6CC824}" srcOrd="1" destOrd="0" presId="urn:microsoft.com/office/officeart/2005/8/layout/lProcess2"/>
+    <dgm:cxn modelId="{EA0FCD40-4BDF-4B4C-A187-2789537D58F7}" srcId="{69CAD96F-2214-437D-976F-BB2FCB1E233B}" destId="{FA5E13B3-8862-47B1-87D8-A8193B1CCF22}" srcOrd="2" destOrd="0" parTransId="{5478C28E-7AE0-415E-99F6-B25B8557BBF8}" sibTransId="{07A31D5B-7131-4D5A-92FB-FA922AD364DC}"/>
+    <dgm:cxn modelId="{D761A738-3FF3-4D2A-AF56-972B052486FF}" type="presOf" srcId="{0B13AEB8-82EE-4602-8A0F-9B86D61DF541}" destId="{412C806B-E116-4C20-94F5-2EBF72B79581}" srcOrd="0" destOrd="0" presId="urn:microsoft.com/office/officeart/2005/8/layout/lProcess2"/>
+    <dgm:cxn modelId="{2DCCAA20-972B-41A4-9C22-7F78CA36B51C}" srcId="{69CAD96F-2214-437D-976F-BB2FCB1E233B}" destId="{C60C61D5-60DF-4784-9608-41FCE0AE302D}" srcOrd="1" destOrd="0" parTransId="{C81C0818-8F3B-497C-A001-7AAC1C76E7DF}" sibTransId="{8A60E9C2-3B79-4630-BB5E-8009BC9D61FC}"/>
+    <dgm:cxn modelId="{8D5EE43A-5CD1-4FD7-BD4C-F0911C455515}" type="presOf" srcId="{39A31B4E-5D22-483A-914D-9F51B822D9C1}" destId="{5212789F-9EE8-4FDA-8E59-1585B4C2BD61}" srcOrd="0" destOrd="0" presId="urn:microsoft.com/office/officeart/2005/8/layout/lProcess2"/>
+    <dgm:cxn modelId="{1AAFC4D9-DBA3-424F-AE35-A7D0E29DAE6E}" type="presOf" srcId="{69CAD96F-2214-437D-976F-BB2FCB1E233B}" destId="{ED151383-EADA-4507-A147-8BA590D44CD7}" srcOrd="1" destOrd="0" presId="urn:microsoft.com/office/officeart/2005/8/layout/lProcess2"/>
+    <dgm:cxn modelId="{6A69645A-8A18-4D63-8622-85412B7E6A8E}" srcId="{69CAD96F-2214-437D-976F-BB2FCB1E233B}" destId="{A7D38405-79D5-4F88-A68D-BFA4553F6E22}" srcOrd="0" destOrd="0" parTransId="{AE97A2B5-0D8C-4DAB-ACA0-E6C3ACAE054F}" sibTransId="{E2BB7621-BDCE-48C0-8AB6-F37BC3C4E41A}"/>
+    <dgm:cxn modelId="{A4131196-11C7-4F23-A846-8CDBE52E1CC0}" srcId="{462FC66C-4537-46DD-AD09-5311AEB55B78}" destId="{59B5020B-1AC8-47B8-9EF2-24376FD5E687}" srcOrd="1" destOrd="0" parTransId="{C431ADEA-A30C-4BB7-8FB9-612083D3EA31}" sibTransId="{9C2584B4-F51B-41E0-9E28-7C151850817A}"/>
+    <dgm:cxn modelId="{C10D2D2C-4670-45C2-881A-E903A6C00441}" type="presOf" srcId="{4E9F7669-3178-49E3-B22A-90FE39C04A5C}" destId="{0909BC48-2EBD-436E-A263-E92983BC1F2B}" srcOrd="0" destOrd="0" presId="urn:microsoft.com/office/officeart/2005/8/layout/lProcess2"/>
+    <dgm:cxn modelId="{FC9F2BD5-02B8-4BE3-A68B-CEF4AC69A2F8}" type="presOf" srcId="{FA5E13B3-8862-47B1-87D8-A8193B1CCF22}" destId="{ABBE9DC9-BDAC-4ACD-A33E-9E81A7527BE5}" srcOrd="0" destOrd="0" presId="urn:microsoft.com/office/officeart/2005/8/layout/lProcess2"/>
+    <dgm:cxn modelId="{48BF8868-AA98-4897-B636-425DE52F8FC2}" srcId="{4A7BCF0D-4FFE-4F2F-B27D-1824C725CA4B}" destId="{07BC5A8B-BE8B-47A1-8494-8F2028B71C5B}" srcOrd="2" destOrd="0" parTransId="{F94FE74E-F0AB-4EE6-B44C-41C1878007E4}" sibTransId="{551F01A5-92EA-4277-910E-23664DDD7B27}"/>
+    <dgm:cxn modelId="{9DF934C2-824D-4C44-9D45-C38569192E65}" type="presOf" srcId="{59B5020B-1AC8-47B8-9EF2-24376FD5E687}" destId="{B527D4FF-A3D4-450F-82A7-5447CFB4C3E2}" srcOrd="0" destOrd="0" presId="urn:microsoft.com/office/officeart/2005/8/layout/lProcess2"/>
     <dgm:cxn modelId="{BFACAACF-A51E-45B3-87A3-0C3FD75AC39E}" type="presOf" srcId="{59B5020B-1AC8-47B8-9EF2-24376FD5E687}" destId="{0F43D085-8E53-41FC-98F0-506978F456C9}" srcOrd="1" destOrd="0" presId="urn:microsoft.com/office/officeart/2005/8/layout/lProcess2"/>
-    <dgm:cxn modelId="{6A69645A-8A18-4D63-8622-85412B7E6A8E}" srcId="{69CAD96F-2214-437D-976F-BB2FCB1E233B}" destId="{A7D38405-79D5-4F88-A68D-BFA4553F6E22}" srcOrd="0" destOrd="0" parTransId="{AE97A2B5-0D8C-4DAB-ACA0-E6C3ACAE054F}" sibTransId="{E2BB7621-BDCE-48C0-8AB6-F37BC3C4E41A}"/>
-    <dgm:cxn modelId="{FC9F2BD5-02B8-4BE3-A68B-CEF4AC69A2F8}" type="presOf" srcId="{FA5E13B3-8862-47B1-87D8-A8193B1CCF22}" destId="{ABBE9DC9-BDAC-4ACD-A33E-9E81A7527BE5}" srcOrd="0" destOrd="0" presId="urn:microsoft.com/office/officeart/2005/8/layout/lProcess2"/>
+    <dgm:cxn modelId="{10D0A3E9-D0A6-4BCA-91FA-36B10DC28FA4}" srcId="{4A7BCF0D-4FFE-4F2F-B27D-1824C725CA4B}" destId="{FFCA02A8-929B-4DB5-87E4-BC38B9028C7A}" srcOrd="3" destOrd="0" parTransId="{F9D36477-45E6-4B2E-8957-535AC3600C2A}" sibTransId="{62C02568-4E64-4BDC-A216-2A6076492BE5}"/>
     <dgm:cxn modelId="{3E459160-7A72-49C5-9D48-478F7AC964B9}" srcId="{462FC66C-4537-46DD-AD09-5311AEB55B78}" destId="{69CAD96F-2214-437D-976F-BB2FCB1E233B}" srcOrd="2" destOrd="0" parTransId="{9E83F182-ABA9-4501-8754-60752BBC9BA4}" sibTransId="{137215E0-6FA2-4A79-BC69-544F5C1E40E7}"/>
-    <dgm:cxn modelId="{D761A738-3FF3-4D2A-AF56-972B052486FF}" type="presOf" srcId="{0B13AEB8-82EE-4602-8A0F-9B86D61DF541}" destId="{412C806B-E116-4C20-94F5-2EBF72B79581}" srcOrd="0" destOrd="0" presId="urn:microsoft.com/office/officeart/2005/8/layout/lProcess2"/>
+    <dgm:cxn modelId="{7732A3B5-8F5F-4662-BDEF-3EF778F09C96}" type="presOf" srcId="{C3B5C5DA-A5EB-444D-BAE8-ACA75F67289F}" destId="{6E9D502D-84BA-4FA0-9B12-F4A2BCEBD16E}" srcOrd="0" destOrd="0" presId="urn:microsoft.com/office/officeart/2005/8/layout/lProcess2"/>
+    <dgm:cxn modelId="{A6F0FAC9-E1B0-4E82-828E-AC378B9F3075}" type="presOf" srcId="{C60C61D5-60DF-4784-9608-41FCE0AE302D}" destId="{2ACBCE4E-2B8A-4E0A-B8E2-BDF658BBDBC7}" srcOrd="0" destOrd="0" presId="urn:microsoft.com/office/officeart/2005/8/layout/lProcess2"/>
+    <dgm:cxn modelId="{CE66B540-632D-46D9-BBE2-1ED53B0095CF}" srcId="{69CAD96F-2214-437D-976F-BB2FCB1E233B}" destId="{85452EA6-E65B-4EAA-AEB0-46AD40CA61CC}" srcOrd="6" destOrd="0" parTransId="{977DF12C-67D9-4D56-B245-5D2371E3200A}" sibTransId="{48E8CC07-846A-4E6D-9723-B8836E2147CF}"/>
     <dgm:cxn modelId="{5247ACEB-C3AC-4C6F-A9B3-4A48420033A8}" srcId="{59B5020B-1AC8-47B8-9EF2-24376FD5E687}" destId="{15CD747F-BAD5-4011-BDEF-335AF8C7B76C}" srcOrd="4" destOrd="0" parTransId="{9A6CD941-E311-4A44-8197-0C807B876C2F}" sibTransId="{1BAFC581-1936-47CD-90F4-DBC4321B1065}"/>
-    <dgm:cxn modelId="{1AAFC4D9-DBA3-424F-AE35-A7D0E29DAE6E}" type="presOf" srcId="{69CAD96F-2214-437D-976F-BB2FCB1E233B}" destId="{ED151383-EADA-4507-A147-8BA590D44CD7}" srcOrd="1" destOrd="0" presId="urn:microsoft.com/office/officeart/2005/8/layout/lProcess2"/>
-    <dgm:cxn modelId="{98C682F2-22C5-45A0-8B91-2FD65CF4071F}" srcId="{462FC66C-4537-46DD-AD09-5311AEB55B78}" destId="{4A7BCF0D-4FFE-4F2F-B27D-1824C725CA4B}" srcOrd="0" destOrd="0" parTransId="{DF69E87C-E1AF-4BAC-BE5A-F14FF9EAF157}" sibTransId="{8050A57E-EC17-4A2B-917A-17A9C9A4C27A}"/>
-    <dgm:cxn modelId="{B7D87BB0-1A15-45E8-B6C0-0FDA1788C79D}" type="presOf" srcId="{07BC5A8B-BE8B-47A1-8494-8F2028B71C5B}" destId="{9CF60F40-9CE7-41AE-8463-5ABE159E3084}" srcOrd="0" destOrd="0" presId="urn:microsoft.com/office/officeart/2005/8/layout/lProcess2"/>
-    <dgm:cxn modelId="{CE66B540-632D-46D9-BBE2-1ED53B0095CF}" srcId="{69CAD96F-2214-437D-976F-BB2FCB1E233B}" destId="{85452EA6-E65B-4EAA-AEB0-46AD40CA61CC}" srcOrd="6" destOrd="0" parTransId="{977DF12C-67D9-4D56-B245-5D2371E3200A}" sibTransId="{48E8CC07-846A-4E6D-9723-B8836E2147CF}"/>
-    <dgm:cxn modelId="{F58E3E00-7732-40D9-A8C1-C95CC2076B0B}" srcId="{4A7BCF0D-4FFE-4F2F-B27D-1824C725CA4B}" destId="{B6F319DA-C5C2-4A54-A07F-7A8DB2B6959B}" srcOrd="0" destOrd="0" parTransId="{87D30DE8-EE5F-4960-9255-259172AC7D1D}" sibTransId="{031BED5F-362B-4DEC-867D-CB3CD2543FC4}"/>
-    <dgm:cxn modelId="{A6F0FAC9-E1B0-4E82-828E-AC378B9F3075}" type="presOf" srcId="{C60C61D5-60DF-4784-9608-41FCE0AE302D}" destId="{2ACBCE4E-2B8A-4E0A-B8E2-BDF658BBDBC7}" srcOrd="0" destOrd="0" presId="urn:microsoft.com/office/officeart/2005/8/layout/lProcess2"/>
-    <dgm:cxn modelId="{3D16ABAF-A023-490B-9E8B-C8E7C4ED4416}" type="presOf" srcId="{A7D38405-79D5-4F88-A68D-BFA4553F6E22}" destId="{1C09694C-BC2D-4EB3-A0ED-C47CEDA2DF7C}" srcOrd="0" destOrd="0" presId="urn:microsoft.com/office/officeart/2005/8/layout/lProcess2"/>
-    <dgm:cxn modelId="{A366FA52-AB95-4C8F-BB92-A0C3E89EA6D2}" type="presOf" srcId="{69CAD96F-2214-437D-976F-BB2FCB1E233B}" destId="{F2CEB691-BF95-401E-AD92-83009CAEC48C}" srcOrd="0" destOrd="0" presId="urn:microsoft.com/office/officeart/2005/8/layout/lProcess2"/>
-    <dgm:cxn modelId="{2DCCAA20-972B-41A4-9C22-7F78CA36B51C}" srcId="{69CAD96F-2214-437D-976F-BB2FCB1E233B}" destId="{C60C61D5-60DF-4784-9608-41FCE0AE302D}" srcOrd="1" destOrd="0" parTransId="{C81C0818-8F3B-497C-A001-7AAC1C76E7DF}" sibTransId="{8A60E9C2-3B79-4630-BB5E-8009BC9D61FC}"/>
-    <dgm:cxn modelId="{CA4B39A5-5B01-49D4-8691-4D8E218487EF}" srcId="{69CAD96F-2214-437D-976F-BB2FCB1E233B}" destId="{176985DD-EFF6-40B3-81BC-C326751AF9C9}" srcOrd="4" destOrd="0" parTransId="{461D0263-D31C-49C3-BA7E-7622827DB943}" sibTransId="{5DE664FC-F91A-4387-803B-D06490A97A2F}"/>
     <dgm:cxn modelId="{C332DDB6-A00C-4145-9F89-039408276E94}" type="presOf" srcId="{B2F5A533-2A82-4D70-9C54-2A6D0C7B07CE}" destId="{54438750-F5EC-43EB-86DC-44BBB640F533}" srcOrd="0" destOrd="0" presId="urn:microsoft.com/office/officeart/2005/8/layout/lProcess2"/>
-    <dgm:cxn modelId="{00A8D807-3465-4284-A915-7A7E932B85C5}" srcId="{59B5020B-1AC8-47B8-9EF2-24376FD5E687}" destId="{0168AD56-580F-49F5-8408-147510692D17}" srcOrd="2" destOrd="0" parTransId="{F018864D-65F3-425C-8F5B-0FD6804484D2}" sibTransId="{00BE2C1C-ADBE-429B-87C8-560F6A3668FC}"/>
-    <dgm:cxn modelId="{0202E0FA-51AA-4AEB-92C1-82D0279BD115}" type="presOf" srcId="{4A7BCF0D-4FFE-4F2F-B27D-1824C725CA4B}" destId="{DC5490E9-8F4F-4759-A540-A08BF90B6525}" srcOrd="0" destOrd="0" presId="urn:microsoft.com/office/officeart/2005/8/layout/lProcess2"/>
-    <dgm:cxn modelId="{14E033F0-164C-4CE6-85D1-99400B91C757}" srcId="{59B5020B-1AC8-47B8-9EF2-24376FD5E687}" destId="{C3B5C5DA-A5EB-444D-BAE8-ACA75F67289F}" srcOrd="3" destOrd="0" parTransId="{198F12F2-A73A-4FFE-A567-3C0DFF941EDF}" sibTransId="{44C655FF-F922-4A12-9114-D3A24963BD8A}"/>
-    <dgm:cxn modelId="{A76185DF-8766-452F-9812-F0A1A35183D3}" srcId="{59B5020B-1AC8-47B8-9EF2-24376FD5E687}" destId="{B2F5A533-2A82-4D70-9C54-2A6D0C7B07CE}" srcOrd="5" destOrd="0" parTransId="{3FC89C03-417F-4247-957A-9E782034C94A}" sibTransId="{86E79E4B-460D-4861-91CA-C93EB5601635}"/>
-    <dgm:cxn modelId="{BD7AE2AF-1A9D-486A-89C8-31A86E825419}" type="presOf" srcId="{116F4389-3F63-4C96-B313-A54E764C2F14}" destId="{4E717ADA-8AED-4C30-AE38-E830D88E8E44}" srcOrd="0" destOrd="0" presId="urn:microsoft.com/office/officeart/2005/8/layout/lProcess2"/>
-    <dgm:cxn modelId="{184EB23F-CE54-4556-A6CC-6245C61E005A}" type="presOf" srcId="{FFCA02A8-929B-4DB5-87E4-BC38B9028C7A}" destId="{2CDFC7E5-5066-41D0-929E-6EBA1C8C9E81}" srcOrd="0" destOrd="0" presId="urn:microsoft.com/office/officeart/2005/8/layout/lProcess2"/>
-    <dgm:cxn modelId="{491B2751-CE05-4C2D-8FCF-CB7B64357C3E}" type="presOf" srcId="{357B945D-32D3-4C10-9960-1A5EA72EBF4C}" destId="{53534D2A-6642-4AD6-954B-D5E613AF6DCA}" srcOrd="0" destOrd="0" presId="urn:microsoft.com/office/officeart/2005/8/layout/lProcess2"/>
-    <dgm:cxn modelId="{B12AF41E-EF93-4B15-B317-3810099FAA60}" type="presOf" srcId="{176985DD-EFF6-40B3-81BC-C326751AF9C9}" destId="{DFC71E51-C3B7-48B8-AA5F-3CE6127C7791}" srcOrd="0" destOrd="0" presId="urn:microsoft.com/office/officeart/2005/8/layout/lProcess2"/>
-    <dgm:cxn modelId="{F15FFB21-0634-4830-85C9-EA1D9B188FA3}" type="presOf" srcId="{15CD747F-BAD5-4011-BDEF-335AF8C7B76C}" destId="{4068BB7D-EFA3-41A0-B6D2-240ADF1616CA}" srcOrd="0" destOrd="0" presId="urn:microsoft.com/office/officeart/2005/8/layout/lProcess2"/>
-    <dgm:cxn modelId="{38F357BC-3F91-4BE8-BB77-3027E16049B1}" type="presOf" srcId="{462FC66C-4537-46DD-AD09-5311AEB55B78}" destId="{D9324906-E447-4BA7-89A0-138AF55AB108}" srcOrd="0" destOrd="0" presId="urn:microsoft.com/office/officeart/2005/8/layout/lProcess2"/>
-    <dgm:cxn modelId="{7732A3B5-8F5F-4662-BDEF-3EF778F09C96}" type="presOf" srcId="{C3B5C5DA-A5EB-444D-BAE8-ACA75F67289F}" destId="{6E9D502D-84BA-4FA0-9B12-F4A2BCEBD16E}" srcOrd="0" destOrd="0" presId="urn:microsoft.com/office/officeart/2005/8/layout/lProcess2"/>
-    <dgm:cxn modelId="{18B0D01E-2A26-4525-BFB5-F119F1501EA5}" srcId="{69CAD96F-2214-437D-976F-BB2FCB1E233B}" destId="{0B13AEB8-82EE-4602-8A0F-9B86D61DF541}" srcOrd="3" destOrd="0" parTransId="{FCFE9C32-A544-47AA-BBBA-C92EDF194356}" sibTransId="{37F3AC17-CD03-43B1-A846-3026EB50A574}"/>
-    <dgm:cxn modelId="{48BF8868-AA98-4897-B636-425DE52F8FC2}" srcId="{4A7BCF0D-4FFE-4F2F-B27D-1824C725CA4B}" destId="{07BC5A8B-BE8B-47A1-8494-8F2028B71C5B}" srcOrd="2" destOrd="0" parTransId="{F94FE74E-F0AB-4EE6-B44C-41C1878007E4}" sibTransId="{551F01A5-92EA-4277-910E-23664DDD7B27}"/>
-    <dgm:cxn modelId="{5BFBBF46-1C86-4A8B-81AA-2B301C4C4529}" srcId="{69CAD96F-2214-437D-976F-BB2FCB1E233B}" destId="{4E9F7669-3178-49E3-B22A-90FE39C04A5C}" srcOrd="5" destOrd="0" parTransId="{42F8F550-EC62-4FF2-8663-EB2C3AA16569}" sibTransId="{60013915-9750-4E21-9484-E0BD579A9479}"/>
-    <dgm:cxn modelId="{13D616C2-1FF7-404A-99F8-17F5E987B943}" srcId="{59B5020B-1AC8-47B8-9EF2-24376FD5E687}" destId="{39A31B4E-5D22-483A-914D-9F51B822D9C1}" srcOrd="1" destOrd="0" parTransId="{845056AE-8833-4BBA-A151-6D3163E6D7E3}" sibTransId="{83C6F3F2-F5B5-41DC-9276-5A212CBF8D7F}"/>
     <dgm:cxn modelId="{DDFF8AD6-2FCB-41F9-A056-BABBF91FB6E0}" type="presOf" srcId="{0168AD56-580F-49F5-8408-147510692D17}" destId="{5E784036-D738-44A3-A411-D6F1BCB08007}" srcOrd="0" destOrd="0" presId="urn:microsoft.com/office/officeart/2005/8/layout/lProcess2"/>
-    <dgm:cxn modelId="{753154B3-DCB2-4FF7-8E98-36CDDEDC3D4F}" type="presOf" srcId="{4A7BCF0D-4FFE-4F2F-B27D-1824C725CA4B}" destId="{2421614A-F5EE-4914-B2D7-974A8A6CC824}" srcOrd="1" destOrd="0" presId="urn:microsoft.com/office/officeart/2005/8/layout/lProcess2"/>
-    <dgm:cxn modelId="{C10D2D2C-4670-45C2-881A-E903A6C00441}" type="presOf" srcId="{4E9F7669-3178-49E3-B22A-90FE39C04A5C}" destId="{0909BC48-2EBD-436E-A263-E92983BC1F2B}" srcOrd="0" destOrd="0" presId="urn:microsoft.com/office/officeart/2005/8/layout/lProcess2"/>
-    <dgm:cxn modelId="{5C686A13-6F24-49D8-8B94-324A50A0955D}" srcId="{4A7BCF0D-4FFE-4F2F-B27D-1824C725CA4B}" destId="{357B945D-32D3-4C10-9960-1A5EA72EBF4C}" srcOrd="1" destOrd="0" parTransId="{BA264BFB-03C5-4D62-A155-31D047C24ADE}" sibTransId="{BCA0F4B0-A24E-41B5-87EB-0E8A0E5ADA60}"/>
-    <dgm:cxn modelId="{EA0FCD40-4BDF-4B4C-A187-2789537D58F7}" srcId="{69CAD96F-2214-437D-976F-BB2FCB1E233B}" destId="{FA5E13B3-8862-47B1-87D8-A8193B1CCF22}" srcOrd="2" destOrd="0" parTransId="{5478C28E-7AE0-415E-99F6-B25B8557BBF8}" sibTransId="{07A31D5B-7131-4D5A-92FB-FA922AD364DC}"/>
-    <dgm:cxn modelId="{8D5EE43A-5CD1-4FD7-BD4C-F0911C455515}" type="presOf" srcId="{39A31B4E-5D22-483A-914D-9F51B822D9C1}" destId="{5212789F-9EE8-4FDA-8E59-1585B4C2BD61}" srcOrd="0" destOrd="0" presId="urn:microsoft.com/office/officeart/2005/8/layout/lProcess2"/>
-    <dgm:cxn modelId="{9DF934C2-824D-4C44-9D45-C38569192E65}" type="presOf" srcId="{59B5020B-1AC8-47B8-9EF2-24376FD5E687}" destId="{B527D4FF-A3D4-450F-82A7-5447CFB4C3E2}" srcOrd="0" destOrd="0" presId="urn:microsoft.com/office/officeart/2005/8/layout/lProcess2"/>
-    <dgm:cxn modelId="{10D0A3E9-D0A6-4BCA-91FA-36B10DC28FA4}" srcId="{4A7BCF0D-4FFE-4F2F-B27D-1824C725CA4B}" destId="{FFCA02A8-929B-4DB5-87E4-BC38B9028C7A}" srcOrd="3" destOrd="0" parTransId="{F9D36477-45E6-4B2E-8957-535AC3600C2A}" sibTransId="{62C02568-4E64-4BDC-A216-2A6076492BE5}"/>
     <dgm:cxn modelId="{579B7AC4-4C18-4D79-A1B8-E89CA05E8424}" type="presParOf" srcId="{D9324906-E447-4BA7-89A0-138AF55AB108}" destId="{B042EBF4-CFEE-4BAD-9CAF-882E6D357416}" srcOrd="0" destOrd="0" presId="urn:microsoft.com/office/officeart/2005/8/layout/lProcess2"/>
     <dgm:cxn modelId="{D5282C51-66EE-4667-B7DD-91622B8BF5BF}" type="presParOf" srcId="{B042EBF4-CFEE-4BAD-9CAF-882E6D357416}" destId="{DC5490E9-8F4F-4759-A540-A08BF90B6525}" srcOrd="0" destOrd="0" presId="urn:microsoft.com/office/officeart/2005/8/layout/lProcess2"/>
     <dgm:cxn modelId="{D917AC99-2321-4CBF-A064-C4A18D5EDF09}" type="presParOf" srcId="{B042EBF4-CFEE-4BAD-9CAF-882E6D357416}" destId="{2421614A-F5EE-4914-B2D7-974A8A6CC824}" srcOrd="1" destOrd="0" presId="urn:microsoft.com/office/officeart/2005/8/layout/lProcess2"/>
@@ -4409,8 +4409,8 @@
     <dgm:cxn modelId="{FA71989F-B0AF-45C0-88F0-510A0F82FE32}" type="presOf" srcId="{56415A6E-7A06-46D2-B86D-5D73ED991F04}" destId="{8D78C31A-C03C-4E16-B385-B484FE296C49}" srcOrd="1" destOrd="5" presId="urn:microsoft.com/office/officeart/2005/8/layout/hList7"/>
     <dgm:cxn modelId="{CF5BFF18-8ECE-4E4C-B232-3CB464310B30}" srcId="{BC137D29-6210-4B97-9539-A35360D00214}" destId="{C3961B21-CC0B-43A8-9403-900B195A8B96}" srcOrd="0" destOrd="0" parTransId="{DC1E9CC9-47A0-47E3-8268-E499165D453D}" sibTransId="{0DD79A0C-4D5C-4461-8F79-27DCB9243A8F}"/>
     <dgm:cxn modelId="{C37766F2-8900-4721-B39B-CB11B3F4A89B}" srcId="{BC137D29-6210-4B97-9539-A35360D00214}" destId="{4D546A93-C5F4-4091-94FB-A2FC818F367D}" srcOrd="2" destOrd="0" parTransId="{053C4F8B-15CC-4272-83C8-2FC11E2B0164}" sibTransId="{1F366E2A-B066-41FC-A135-E442106AD5CD}"/>
+    <dgm:cxn modelId="{E4A909FA-9E20-4A3F-A100-B25FAD734B6E}" type="presOf" srcId="{D013ABA8-9089-4665-A42D-249009926E2C}" destId="{8D78C31A-C03C-4E16-B385-B484FE296C49}" srcOrd="1" destOrd="2" presId="urn:microsoft.com/office/officeart/2005/8/layout/hList7"/>
     <dgm:cxn modelId="{DDB32276-AC56-496A-AFA8-B94C9E239724}" srcId="{BC137D29-6210-4B97-9539-A35360D00214}" destId="{567D675D-BBB8-4EFC-87EA-396688F784A4}" srcOrd="3" destOrd="0" parTransId="{33472658-4F67-4FA0-A48E-BDAFFB5F49A3}" sibTransId="{2388D0FE-FA61-45BD-AF8D-ECC3D2C3CD25}"/>
-    <dgm:cxn modelId="{E4A909FA-9E20-4A3F-A100-B25FAD734B6E}" type="presOf" srcId="{D013ABA8-9089-4665-A42D-249009926E2C}" destId="{8D78C31A-C03C-4E16-B385-B484FE296C49}" srcOrd="1" destOrd="2" presId="urn:microsoft.com/office/officeart/2005/8/layout/hList7"/>
     <dgm:cxn modelId="{8F11C221-69E5-4ECD-91B2-6097E6A79E08}" type="presOf" srcId="{101F3BB6-EC6C-4261-9D94-6356ABC60565}" destId="{B0F391BE-9959-4034-8C84-361435FDB819}" srcOrd="0" destOrd="0" presId="urn:microsoft.com/office/officeart/2005/8/layout/hList7"/>
     <dgm:cxn modelId="{AC8ACE6C-276B-4475-B8B1-013B9E6D96E8}" type="presOf" srcId="{5294FB70-2B09-4C66-9F65-E14FBBBE5BDF}" destId="{8D78C31A-C03C-4E16-B385-B484FE296C49}" srcOrd="1" destOrd="7" presId="urn:microsoft.com/office/officeart/2005/8/layout/hList7"/>
     <dgm:cxn modelId="{95914BEC-7C4D-497E-A01D-0A39413B1DCC}" srcId="{BC137D29-6210-4B97-9539-A35360D00214}" destId="{CFCF7E93-3A99-43A6-9C72-B863D3648448}" srcOrd="5" destOrd="0" parTransId="{5B8759BC-379C-4DDA-9FCD-D98E15823BC1}" sibTransId="{46201059-71D4-454A-86E9-5F4A1A91C452}"/>
@@ -9145,7 +9145,7 @@
               <a:pPr>
                 <a:defRPr/>
               </a:pPr>
-              <a:t>11/11/2019</a:t>
+              <a:t>11/13/2019</a:t>
             </a:fld>
             <a:endParaRPr lang="en-US" dirty="0"/>
           </a:p>
@@ -12794,7 +12794,7 @@
               </a14:hiddenLine>
             </a:ext>
             <a:ext uri="{FAA26D3D-D897-4be2-8F04-BA451C77F1D7}">
-              <ma14:placeholderFlag xmlns:ma14="http://schemas.microsoft.com/office/mac/drawingml/2011/main" xmlns="" val="1"/>
+              <ma14:placeholderFlag xmlns="" xmlns:ma14="http://schemas.microsoft.com/office/mac/drawingml/2011/main" val="1"/>
             </a:ext>
           </a:extLst>
         </p:spPr>
@@ -13526,7 +13526,7 @@
                 <a14:useLocalDpi xmlns:a14="http://schemas.microsoft.com/office/drawing/2010/main" val="0"/>
               </a:ext>
               <a:ext uri="{96DAC541-7B7A-43D3-8B79-37D633B846F1}">
-                <asvg:svgBlip xmlns:asvg="http://schemas.microsoft.com/office/drawing/2016/SVG/main" xmlns="" r:embed="rId3"/>
+                <asvg:svgBlip xmlns="" xmlns:asvg="http://schemas.microsoft.com/office/drawing/2016/SVG/main" r:embed="rId3"/>
               </a:ext>
             </a:extLst>
           </a:blip>
@@ -13612,6 +13612,30 @@
           <a:xfrm>
             <a:off x="137160" y="3429000"/>
             <a:ext cx="914400" cy="914400"/>
+          </a:xfrm>
+          <a:prstGeom prst="rect">
+            <a:avLst/>
+          </a:prstGeom>
+        </p:spPr>
+      </p:pic>
+      <p:pic>
+        <p:nvPicPr>
+          <p:cNvPr id="8" name="Picture 7"/>
+          <p:cNvPicPr>
+            <a:picLocks noChangeAspect="1"/>
+          </p:cNvPicPr>
+          <p:nvPr/>
+        </p:nvPicPr>
+        <p:blipFill>
+          <a:blip r:embed="rId6"/>
+          <a:stretch>
+            <a:fillRect/>
+          </a:stretch>
+        </p:blipFill>
+        <p:spPr>
+          <a:xfrm>
+            <a:off x="7589520" y="2880360"/>
+            <a:ext cx="1371600" cy="1371600"/>
           </a:xfrm>
           <a:prstGeom prst="rect">
             <a:avLst/>

--- a/pptx_source/PhysiCell-Template (v4).pptx
+++ b/pptx_source/PhysiCell-Template (v4).pptx
@@ -12794,7 +12794,7 @@
               </a14:hiddenLine>
             </a:ext>
             <a:ext uri="{FAA26D3D-D897-4be2-8F04-BA451C77F1D7}">
-              <ma14:placeholderFlag xmlns="" xmlns:ma14="http://schemas.microsoft.com/office/mac/drawingml/2011/main" val="1"/>
+              <ma14:placeholderFlag xmlns:ma14="http://schemas.microsoft.com/office/mac/drawingml/2011/main" xmlns="" val="1"/>
             </a:ext>
           </a:extLst>
         </p:spPr>
@@ -13404,12 +13404,20 @@
           <a:lstStyle/>
           <a:p>
             <a:r>
+              <a:rPr lang="en-US" smtClean="0">
+                <a:solidFill>
+                  <a:schemeClr val="tx1"/>
+                </a:solidFill>
+              </a:rPr>
+              <a:t>Lesson </a:t>
+            </a:r>
+            <a:r>
               <a:rPr lang="en-US" dirty="0">
                 <a:solidFill>
                   <a:schemeClr val="tx1"/>
                 </a:solidFill>
               </a:rPr>
-              <a:t>Module x:</a:t>
+              <a:t>x:</a:t>
             </a:r>
             <a:r>
               <a:rPr lang="en-US" dirty="0"/>
@@ -13526,7 +13534,7 @@
                 <a14:useLocalDpi xmlns:a14="http://schemas.microsoft.com/office/drawing/2010/main" val="0"/>
               </a:ext>
               <a:ext uri="{96DAC541-7B7A-43D3-8B79-37D633B846F1}">
-                <asvg:svgBlip xmlns="" xmlns:asvg="http://schemas.microsoft.com/office/drawing/2016/SVG/main" r:embed="rId3"/>
+                <asvg:svgBlip xmlns:asvg="http://schemas.microsoft.com/office/drawing/2016/SVG/main" xmlns="" r:embed="rId3"/>
               </a:ext>
             </a:extLst>
           </a:blip>

--- a/pptx_source/PhysiCell-Template (v4).pptx
+++ b/pptx_source/PhysiCell-Template (v4).pptx
@@ -3179,24 +3179,10 @@
     <dgm:pt modelId="{DC5490E9-8F4F-4759-A540-A08BF90B6525}" type="pres">
       <dgm:prSet presAssocID="{4A7BCF0D-4FFE-4F2F-B27D-1824C725CA4B}" presName="aNode" presStyleLbl="bgShp" presStyleIdx="0" presStyleCnt="3" custLinFactNeighborX="-50268" custLinFactNeighborY="-31481"/>
       <dgm:spPr/>
-      <dgm:t>
-        <a:bodyPr/>
-        <a:lstStyle/>
-        <a:p>
-          <a:endParaRPr lang="en-US"/>
-        </a:p>
-      </dgm:t>
     </dgm:pt>
     <dgm:pt modelId="{2421614A-F5EE-4914-B2D7-974A8A6CC824}" type="pres">
       <dgm:prSet presAssocID="{4A7BCF0D-4FFE-4F2F-B27D-1824C725CA4B}" presName="textNode" presStyleLbl="bgShp" presStyleIdx="0" presStyleCnt="3"/>
       <dgm:spPr/>
-      <dgm:t>
-        <a:bodyPr/>
-        <a:lstStyle/>
-        <a:p>
-          <a:endParaRPr lang="en-US"/>
-        </a:p>
-      </dgm:t>
     </dgm:pt>
     <dgm:pt modelId="{B1280FE5-125A-4C07-AC47-BE4AE025C7B1}" type="pres">
       <dgm:prSet presAssocID="{4A7BCF0D-4FFE-4F2F-B27D-1824C725CA4B}" presName="compChildNode" presStyleCnt="0"/>
@@ -3213,13 +3199,6 @@
         </dgm:presLayoutVars>
       </dgm:prSet>
       <dgm:spPr/>
-      <dgm:t>
-        <a:bodyPr/>
-        <a:lstStyle/>
-        <a:p>
-          <a:endParaRPr lang="en-US"/>
-        </a:p>
-      </dgm:t>
     </dgm:pt>
     <dgm:pt modelId="{1A37C52C-CF0A-46B6-A2B3-7BC4BBBEF556}" type="pres">
       <dgm:prSet presAssocID="{B6F319DA-C5C2-4A54-A07F-7A8DB2B6959B}" presName="aSpace2" presStyleCnt="0"/>
@@ -3232,13 +3211,6 @@
         </dgm:presLayoutVars>
       </dgm:prSet>
       <dgm:spPr/>
-      <dgm:t>
-        <a:bodyPr/>
-        <a:lstStyle/>
-        <a:p>
-          <a:endParaRPr lang="en-US"/>
-        </a:p>
-      </dgm:t>
     </dgm:pt>
     <dgm:pt modelId="{9D242953-7D43-43D3-8E8C-45CB7817109B}" type="pres">
       <dgm:prSet presAssocID="{357B945D-32D3-4C10-9960-1A5EA72EBF4C}" presName="aSpace2" presStyleCnt="0"/>
@@ -3251,13 +3223,6 @@
         </dgm:presLayoutVars>
       </dgm:prSet>
       <dgm:spPr/>
-      <dgm:t>
-        <a:bodyPr/>
-        <a:lstStyle/>
-        <a:p>
-          <a:endParaRPr lang="en-US"/>
-        </a:p>
-      </dgm:t>
     </dgm:pt>
     <dgm:pt modelId="{8FAA9254-CCFA-4319-BF75-6A6B91753AF9}" type="pres">
       <dgm:prSet presAssocID="{07BC5A8B-BE8B-47A1-8494-8F2028B71C5B}" presName="aSpace2" presStyleCnt="0"/>
@@ -3270,13 +3235,6 @@
         </dgm:presLayoutVars>
       </dgm:prSet>
       <dgm:spPr/>
-      <dgm:t>
-        <a:bodyPr/>
-        <a:lstStyle/>
-        <a:p>
-          <a:endParaRPr lang="en-US"/>
-        </a:p>
-      </dgm:t>
     </dgm:pt>
     <dgm:pt modelId="{D0ACDF05-4535-44DE-BA7D-2E5B254AF18E}" type="pres">
       <dgm:prSet presAssocID="{4A7BCF0D-4FFE-4F2F-B27D-1824C725CA4B}" presName="aSpace" presStyleCnt="0"/>
@@ -3289,24 +3247,10 @@
     <dgm:pt modelId="{B527D4FF-A3D4-450F-82A7-5447CFB4C3E2}" type="pres">
       <dgm:prSet presAssocID="{59B5020B-1AC8-47B8-9EF2-24376FD5E687}" presName="aNode" presStyleLbl="bgShp" presStyleIdx="1" presStyleCnt="3" custLinFactNeighborX="769" custLinFactNeighborY="-1205"/>
       <dgm:spPr/>
-      <dgm:t>
-        <a:bodyPr/>
-        <a:lstStyle/>
-        <a:p>
-          <a:endParaRPr lang="en-US"/>
-        </a:p>
-      </dgm:t>
     </dgm:pt>
     <dgm:pt modelId="{0F43D085-8E53-41FC-98F0-506978F456C9}" type="pres">
       <dgm:prSet presAssocID="{59B5020B-1AC8-47B8-9EF2-24376FD5E687}" presName="textNode" presStyleLbl="bgShp" presStyleIdx="1" presStyleCnt="3"/>
       <dgm:spPr/>
-      <dgm:t>
-        <a:bodyPr/>
-        <a:lstStyle/>
-        <a:p>
-          <a:endParaRPr lang="en-US"/>
-        </a:p>
-      </dgm:t>
     </dgm:pt>
     <dgm:pt modelId="{FCD59B0B-D0DE-4339-809E-FED3215C2A11}" type="pres">
       <dgm:prSet presAssocID="{59B5020B-1AC8-47B8-9EF2-24376FD5E687}" presName="compChildNode" presStyleCnt="0"/>
@@ -3323,13 +3267,6 @@
         </dgm:presLayoutVars>
       </dgm:prSet>
       <dgm:spPr/>
-      <dgm:t>
-        <a:bodyPr/>
-        <a:lstStyle/>
-        <a:p>
-          <a:endParaRPr lang="en-US"/>
-        </a:p>
-      </dgm:t>
     </dgm:pt>
     <dgm:pt modelId="{D7F9FA92-BBE8-48B0-BFC6-5ED711C334D3}" type="pres">
       <dgm:prSet presAssocID="{116F4389-3F63-4C96-B313-A54E764C2F14}" presName="aSpace2" presStyleCnt="0"/>
@@ -3342,13 +3279,6 @@
         </dgm:presLayoutVars>
       </dgm:prSet>
       <dgm:spPr/>
-      <dgm:t>
-        <a:bodyPr/>
-        <a:lstStyle/>
-        <a:p>
-          <a:endParaRPr lang="en-US"/>
-        </a:p>
-      </dgm:t>
     </dgm:pt>
     <dgm:pt modelId="{852B961F-B7FB-4A76-BF56-9F3DD4617923}" type="pres">
       <dgm:prSet presAssocID="{39A31B4E-5D22-483A-914D-9F51B822D9C1}" presName="aSpace2" presStyleCnt="0"/>
@@ -3361,13 +3291,6 @@
         </dgm:presLayoutVars>
       </dgm:prSet>
       <dgm:spPr/>
-      <dgm:t>
-        <a:bodyPr/>
-        <a:lstStyle/>
-        <a:p>
-          <a:endParaRPr lang="en-US"/>
-        </a:p>
-      </dgm:t>
     </dgm:pt>
     <dgm:pt modelId="{4FB33D43-7730-45E1-A3DF-B9A49AFC6D0A}" type="pres">
       <dgm:prSet presAssocID="{0168AD56-580F-49F5-8408-147510692D17}" presName="aSpace2" presStyleCnt="0"/>
@@ -3380,13 +3303,6 @@
         </dgm:presLayoutVars>
       </dgm:prSet>
       <dgm:spPr/>
-      <dgm:t>
-        <a:bodyPr/>
-        <a:lstStyle/>
-        <a:p>
-          <a:endParaRPr lang="en-US"/>
-        </a:p>
-      </dgm:t>
     </dgm:pt>
     <dgm:pt modelId="{9633D828-8676-483A-8D28-4C09A0996777}" type="pres">
       <dgm:prSet presAssocID="{C3B5C5DA-A5EB-444D-BAE8-ACA75F67289F}" presName="aSpace2" presStyleCnt="0"/>
@@ -3399,13 +3315,6 @@
         </dgm:presLayoutVars>
       </dgm:prSet>
       <dgm:spPr/>
-      <dgm:t>
-        <a:bodyPr/>
-        <a:lstStyle/>
-        <a:p>
-          <a:endParaRPr lang="en-US"/>
-        </a:p>
-      </dgm:t>
     </dgm:pt>
     <dgm:pt modelId="{AD1F7AA1-0D52-45B8-9DBB-8815D259DA83}" type="pres">
       <dgm:prSet presAssocID="{15CD747F-BAD5-4011-BDEF-335AF8C7B76C}" presName="aSpace2" presStyleCnt="0"/>
@@ -3418,13 +3327,6 @@
         </dgm:presLayoutVars>
       </dgm:prSet>
       <dgm:spPr/>
-      <dgm:t>
-        <a:bodyPr/>
-        <a:lstStyle/>
-        <a:p>
-          <a:endParaRPr lang="en-US"/>
-        </a:p>
-      </dgm:t>
     </dgm:pt>
     <dgm:pt modelId="{0F5E90A8-0657-4A6E-9004-118190BD1AC7}" type="pres">
       <dgm:prSet presAssocID="{59B5020B-1AC8-47B8-9EF2-24376FD5E687}" presName="aSpace" presStyleCnt="0"/>
@@ -3437,24 +3339,10 @@
     <dgm:pt modelId="{F2CEB691-BF95-401E-AD92-83009CAEC48C}" type="pres">
       <dgm:prSet presAssocID="{69CAD96F-2214-437D-976F-BB2FCB1E233B}" presName="aNode" presStyleLbl="bgShp" presStyleIdx="2" presStyleCnt="3"/>
       <dgm:spPr/>
-      <dgm:t>
-        <a:bodyPr/>
-        <a:lstStyle/>
-        <a:p>
-          <a:endParaRPr lang="en-US"/>
-        </a:p>
-      </dgm:t>
     </dgm:pt>
     <dgm:pt modelId="{ED151383-EADA-4507-A147-8BA590D44CD7}" type="pres">
       <dgm:prSet presAssocID="{69CAD96F-2214-437D-976F-BB2FCB1E233B}" presName="textNode" presStyleLbl="bgShp" presStyleIdx="2" presStyleCnt="3"/>
       <dgm:spPr/>
-      <dgm:t>
-        <a:bodyPr/>
-        <a:lstStyle/>
-        <a:p>
-          <a:endParaRPr lang="en-US"/>
-        </a:p>
-      </dgm:t>
     </dgm:pt>
     <dgm:pt modelId="{722512E2-F4B0-4850-AE1D-066762EDDD1D}" type="pres">
       <dgm:prSet presAssocID="{69CAD96F-2214-437D-976F-BB2FCB1E233B}" presName="compChildNode" presStyleCnt="0"/>
@@ -3471,13 +3359,6 @@
         </dgm:presLayoutVars>
       </dgm:prSet>
       <dgm:spPr/>
-      <dgm:t>
-        <a:bodyPr/>
-        <a:lstStyle/>
-        <a:p>
-          <a:endParaRPr lang="en-US"/>
-        </a:p>
-      </dgm:t>
     </dgm:pt>
     <dgm:pt modelId="{8D001113-7CF7-4F2D-926C-A9A991B5F77B}" type="pres">
       <dgm:prSet presAssocID="{A7D38405-79D5-4F88-A68D-BFA4553F6E22}" presName="aSpace2" presStyleCnt="0"/>
@@ -3490,13 +3371,6 @@
         </dgm:presLayoutVars>
       </dgm:prSet>
       <dgm:spPr/>
-      <dgm:t>
-        <a:bodyPr/>
-        <a:lstStyle/>
-        <a:p>
-          <a:endParaRPr lang="en-US"/>
-        </a:p>
-      </dgm:t>
     </dgm:pt>
     <dgm:pt modelId="{76031793-7FEF-48A4-A07F-DB9F4F2702A7}" type="pres">
       <dgm:prSet presAssocID="{C60C61D5-60DF-4784-9608-41FCE0AE302D}" presName="aSpace2" presStyleCnt="0"/>
@@ -3509,13 +3383,6 @@
         </dgm:presLayoutVars>
       </dgm:prSet>
       <dgm:spPr/>
-      <dgm:t>
-        <a:bodyPr/>
-        <a:lstStyle/>
-        <a:p>
-          <a:endParaRPr lang="en-US"/>
-        </a:p>
-      </dgm:t>
     </dgm:pt>
     <dgm:pt modelId="{C2DC0893-4C01-4F90-B130-218C62D7DE3A}" type="pres">
       <dgm:prSet presAssocID="{FA5E13B3-8862-47B1-87D8-A8193B1CCF22}" presName="aSpace2" presStyleCnt="0"/>
@@ -3528,13 +3395,6 @@
         </dgm:presLayoutVars>
       </dgm:prSet>
       <dgm:spPr/>
-      <dgm:t>
-        <a:bodyPr/>
-        <a:lstStyle/>
-        <a:p>
-          <a:endParaRPr lang="en-US"/>
-        </a:p>
-      </dgm:t>
     </dgm:pt>
     <dgm:pt modelId="{119E8F82-D38D-4BC6-9D77-F7763D7F9996}" type="pres">
       <dgm:prSet presAssocID="{0B13AEB8-82EE-4602-8A0F-9B86D61DF541}" presName="aSpace2" presStyleCnt="0"/>
@@ -3547,13 +3407,6 @@
         </dgm:presLayoutVars>
       </dgm:prSet>
       <dgm:spPr/>
-      <dgm:t>
-        <a:bodyPr/>
-        <a:lstStyle/>
-        <a:p>
-          <a:endParaRPr lang="en-US"/>
-        </a:p>
-      </dgm:t>
     </dgm:pt>
     <dgm:pt modelId="{64E83544-A53A-40F9-B54E-B21BC1DED0DE}" type="pres">
       <dgm:prSet presAssocID="{176985DD-EFF6-40B3-81BC-C326751AF9C9}" presName="aSpace2" presStyleCnt="0"/>
@@ -3566,13 +3419,6 @@
         </dgm:presLayoutVars>
       </dgm:prSet>
       <dgm:spPr/>
-      <dgm:t>
-        <a:bodyPr/>
-        <a:lstStyle/>
-        <a:p>
-          <a:endParaRPr lang="en-US"/>
-        </a:p>
-      </dgm:t>
     </dgm:pt>
     <dgm:pt modelId="{EBC9335B-B87F-45AC-A482-2C9F085C5D4F}" type="pres">
       <dgm:prSet presAssocID="{4E9F7669-3178-49E3-B22A-90FE39C04A5C}" presName="aSpace2" presStyleCnt="0"/>
@@ -3585,60 +3431,53 @@
         </dgm:presLayoutVars>
       </dgm:prSet>
       <dgm:spPr/>
-      <dgm:t>
-        <a:bodyPr/>
-        <a:lstStyle/>
-        <a:p>
-          <a:endParaRPr lang="en-US"/>
-        </a:p>
-      </dgm:t>
     </dgm:pt>
   </dgm:ptLst>
   <dgm:cxnLst>
-    <dgm:cxn modelId="{98C682F2-22C5-45A0-8B91-2FD65CF4071F}" srcId="{462FC66C-4537-46DD-AD09-5311AEB55B78}" destId="{4A7BCF0D-4FFE-4F2F-B27D-1824C725CA4B}" srcOrd="0" destOrd="0" parTransId="{DF69E87C-E1AF-4BAC-BE5A-F14FF9EAF157}" sibTransId="{8050A57E-EC17-4A2B-917A-17A9C9A4C27A}"/>
-    <dgm:cxn modelId="{38F357BC-3F91-4BE8-BB77-3027E16049B1}" type="presOf" srcId="{462FC66C-4537-46DD-AD09-5311AEB55B78}" destId="{D9324906-E447-4BA7-89A0-138AF55AB108}" srcOrd="0" destOrd="0" presId="urn:microsoft.com/office/officeart/2005/8/layout/lProcess2"/>
-    <dgm:cxn modelId="{5BFBBF46-1C86-4A8B-81AA-2B301C4C4529}" srcId="{69CAD96F-2214-437D-976F-BB2FCB1E233B}" destId="{4E9F7669-3178-49E3-B22A-90FE39C04A5C}" srcOrd="5" destOrd="0" parTransId="{42F8F550-EC62-4FF2-8663-EB2C3AA16569}" sibTransId="{60013915-9750-4E21-9484-E0BD579A9479}"/>
-    <dgm:cxn modelId="{0202E0FA-51AA-4AEB-92C1-82D0279BD115}" type="presOf" srcId="{4A7BCF0D-4FFE-4F2F-B27D-1824C725CA4B}" destId="{DC5490E9-8F4F-4759-A540-A08BF90B6525}" srcOrd="0" destOrd="0" presId="urn:microsoft.com/office/officeart/2005/8/layout/lProcess2"/>
     <dgm:cxn modelId="{F58E3E00-7732-40D9-A8C1-C95CC2076B0B}" srcId="{4A7BCF0D-4FFE-4F2F-B27D-1824C725CA4B}" destId="{B6F319DA-C5C2-4A54-A07F-7A8DB2B6959B}" srcOrd="0" destOrd="0" parTransId="{87D30DE8-EE5F-4960-9255-259172AC7D1D}" sibTransId="{031BED5F-362B-4DEC-867D-CB3CD2543FC4}"/>
-    <dgm:cxn modelId="{A76185DF-8766-452F-9812-F0A1A35183D3}" srcId="{59B5020B-1AC8-47B8-9EF2-24376FD5E687}" destId="{B2F5A533-2A82-4D70-9C54-2A6D0C7B07CE}" srcOrd="5" destOrd="0" parTransId="{3FC89C03-417F-4247-957A-9E782034C94A}" sibTransId="{86E79E4B-460D-4861-91CA-C93EB5601635}"/>
-    <dgm:cxn modelId="{F15FFB21-0634-4830-85C9-EA1D9B188FA3}" type="presOf" srcId="{15CD747F-BAD5-4011-BDEF-335AF8C7B76C}" destId="{4068BB7D-EFA3-41A0-B6D2-240ADF1616CA}" srcOrd="0" destOrd="0" presId="urn:microsoft.com/office/officeart/2005/8/layout/lProcess2"/>
-    <dgm:cxn modelId="{B7D87BB0-1A15-45E8-B6C0-0FDA1788C79D}" type="presOf" srcId="{07BC5A8B-BE8B-47A1-8494-8F2028B71C5B}" destId="{9CF60F40-9CE7-41AE-8463-5ABE159E3084}" srcOrd="0" destOrd="0" presId="urn:microsoft.com/office/officeart/2005/8/layout/lProcess2"/>
-    <dgm:cxn modelId="{5C686A13-6F24-49D8-8B94-324A50A0955D}" srcId="{4A7BCF0D-4FFE-4F2F-B27D-1824C725CA4B}" destId="{357B945D-32D3-4C10-9960-1A5EA72EBF4C}" srcOrd="1" destOrd="0" parTransId="{BA264BFB-03C5-4D62-A155-31D047C24ADE}" sibTransId="{BCA0F4B0-A24E-41B5-87EB-0E8A0E5ADA60}"/>
-    <dgm:cxn modelId="{491B2751-CE05-4C2D-8FCF-CB7B64357C3E}" type="presOf" srcId="{357B945D-32D3-4C10-9960-1A5EA72EBF4C}" destId="{53534D2A-6642-4AD6-954B-D5E613AF6DCA}" srcOrd="0" destOrd="0" presId="urn:microsoft.com/office/officeart/2005/8/layout/lProcess2"/>
-    <dgm:cxn modelId="{184EB23F-CE54-4556-A6CC-6245C61E005A}" type="presOf" srcId="{FFCA02A8-929B-4DB5-87E4-BC38B9028C7A}" destId="{2CDFC7E5-5066-41D0-929E-6EBA1C8C9E81}" srcOrd="0" destOrd="0" presId="urn:microsoft.com/office/officeart/2005/8/layout/lProcess2"/>
-    <dgm:cxn modelId="{B12AF41E-EF93-4B15-B317-3810099FAA60}" type="presOf" srcId="{176985DD-EFF6-40B3-81BC-C326751AF9C9}" destId="{DFC71E51-C3B7-48B8-AA5F-3CE6127C7791}" srcOrd="0" destOrd="0" presId="urn:microsoft.com/office/officeart/2005/8/layout/lProcess2"/>
-    <dgm:cxn modelId="{13D616C2-1FF7-404A-99F8-17F5E987B943}" srcId="{59B5020B-1AC8-47B8-9EF2-24376FD5E687}" destId="{39A31B4E-5D22-483A-914D-9F51B822D9C1}" srcOrd="1" destOrd="0" parTransId="{845056AE-8833-4BBA-A151-6D3163E6D7E3}" sibTransId="{83C6F3F2-F5B5-41DC-9276-5A212CBF8D7F}"/>
-    <dgm:cxn modelId="{18B0D01E-2A26-4525-BFB5-F119F1501EA5}" srcId="{69CAD96F-2214-437D-976F-BB2FCB1E233B}" destId="{0B13AEB8-82EE-4602-8A0F-9B86D61DF541}" srcOrd="3" destOrd="0" parTransId="{FCFE9C32-A544-47AA-BBBA-C92EDF194356}" sibTransId="{37F3AC17-CD03-43B1-A846-3026EB50A574}"/>
-    <dgm:cxn modelId="{14E033F0-164C-4CE6-85D1-99400B91C757}" srcId="{59B5020B-1AC8-47B8-9EF2-24376FD5E687}" destId="{C3B5C5DA-A5EB-444D-BAE8-ACA75F67289F}" srcOrd="3" destOrd="0" parTransId="{198F12F2-A73A-4FFE-A567-3C0DFF941EDF}" sibTransId="{44C655FF-F922-4A12-9114-D3A24963BD8A}"/>
-    <dgm:cxn modelId="{BD7AE2AF-1A9D-486A-89C8-31A86E825419}" type="presOf" srcId="{116F4389-3F63-4C96-B313-A54E764C2F14}" destId="{4E717ADA-8AED-4C30-AE38-E830D88E8E44}" srcOrd="0" destOrd="0" presId="urn:microsoft.com/office/officeart/2005/8/layout/lProcess2"/>
-    <dgm:cxn modelId="{FE09B8FC-0649-4EB6-AE36-48CC4A5CF91E}" srcId="{59B5020B-1AC8-47B8-9EF2-24376FD5E687}" destId="{116F4389-3F63-4C96-B313-A54E764C2F14}" srcOrd="0" destOrd="0" parTransId="{8B7D1A81-C2A3-4286-A6EC-80F9E5760037}" sibTransId="{B3B1B2ED-34B0-44AD-B0BD-D77B5EF33139}"/>
+    <dgm:cxn modelId="{00A8D807-3465-4284-A915-7A7E932B85C5}" srcId="{59B5020B-1AC8-47B8-9EF2-24376FD5E687}" destId="{0168AD56-580F-49F5-8408-147510692D17}" srcOrd="2" destOrd="0" parTransId="{F018864D-65F3-425C-8F5B-0FD6804484D2}" sibTransId="{00BE2C1C-ADBE-429B-87C8-560F6A3668FC}"/>
     <dgm:cxn modelId="{7C604408-3285-4D41-BF39-ACA0019C23D3}" type="presOf" srcId="{B6F319DA-C5C2-4A54-A07F-7A8DB2B6959B}" destId="{B88ECA14-0AAE-4BD6-BE63-F40B3F9D0DA0}" srcOrd="0" destOrd="0" presId="urn:microsoft.com/office/officeart/2005/8/layout/lProcess2"/>
     <dgm:cxn modelId="{50D0AE0F-DCDC-49C7-8D78-C153BF679F26}" type="presOf" srcId="{85452EA6-E65B-4EAA-AEB0-46AD40CA61CC}" destId="{1D6F54A5-5F39-4411-B9C9-3D1BD9E3D57C}" srcOrd="0" destOrd="0" presId="urn:microsoft.com/office/officeart/2005/8/layout/lProcess2"/>
-    <dgm:cxn modelId="{CA4B39A5-5B01-49D4-8691-4D8E218487EF}" srcId="{69CAD96F-2214-437D-976F-BB2FCB1E233B}" destId="{176985DD-EFF6-40B3-81BC-C326751AF9C9}" srcOrd="4" destOrd="0" parTransId="{461D0263-D31C-49C3-BA7E-7622827DB943}" sibTransId="{5DE664FC-F91A-4387-803B-D06490A97A2F}"/>
-    <dgm:cxn modelId="{00A8D807-3465-4284-A915-7A7E932B85C5}" srcId="{59B5020B-1AC8-47B8-9EF2-24376FD5E687}" destId="{0168AD56-580F-49F5-8408-147510692D17}" srcOrd="2" destOrd="0" parTransId="{F018864D-65F3-425C-8F5B-0FD6804484D2}" sibTransId="{00BE2C1C-ADBE-429B-87C8-560F6A3668FC}"/>
+    <dgm:cxn modelId="{5C686A13-6F24-49D8-8B94-324A50A0955D}" srcId="{4A7BCF0D-4FFE-4F2F-B27D-1824C725CA4B}" destId="{357B945D-32D3-4C10-9960-1A5EA72EBF4C}" srcOrd="1" destOrd="0" parTransId="{BA264BFB-03C5-4D62-A155-31D047C24ADE}" sibTransId="{BCA0F4B0-A24E-41B5-87EB-0E8A0E5ADA60}"/>
+    <dgm:cxn modelId="{18B0D01E-2A26-4525-BFB5-F119F1501EA5}" srcId="{69CAD96F-2214-437D-976F-BB2FCB1E233B}" destId="{0B13AEB8-82EE-4602-8A0F-9B86D61DF541}" srcOrd="3" destOrd="0" parTransId="{FCFE9C32-A544-47AA-BBBA-C92EDF194356}" sibTransId="{37F3AC17-CD03-43B1-A846-3026EB50A574}"/>
+    <dgm:cxn modelId="{B12AF41E-EF93-4B15-B317-3810099FAA60}" type="presOf" srcId="{176985DD-EFF6-40B3-81BC-C326751AF9C9}" destId="{DFC71E51-C3B7-48B8-AA5F-3CE6127C7791}" srcOrd="0" destOrd="0" presId="urn:microsoft.com/office/officeart/2005/8/layout/lProcess2"/>
+    <dgm:cxn modelId="{2DCCAA20-972B-41A4-9C22-7F78CA36B51C}" srcId="{69CAD96F-2214-437D-976F-BB2FCB1E233B}" destId="{C60C61D5-60DF-4784-9608-41FCE0AE302D}" srcOrd="1" destOrd="0" parTransId="{C81C0818-8F3B-497C-A001-7AAC1C76E7DF}" sibTransId="{8A60E9C2-3B79-4630-BB5E-8009BC9D61FC}"/>
+    <dgm:cxn modelId="{F15FFB21-0634-4830-85C9-EA1D9B188FA3}" type="presOf" srcId="{15CD747F-BAD5-4011-BDEF-335AF8C7B76C}" destId="{4068BB7D-EFA3-41A0-B6D2-240ADF1616CA}" srcOrd="0" destOrd="0" presId="urn:microsoft.com/office/officeart/2005/8/layout/lProcess2"/>
+    <dgm:cxn modelId="{C10D2D2C-4670-45C2-881A-E903A6C00441}" type="presOf" srcId="{4E9F7669-3178-49E3-B22A-90FE39C04A5C}" destId="{0909BC48-2EBD-436E-A263-E92983BC1F2B}" srcOrd="0" destOrd="0" presId="urn:microsoft.com/office/officeart/2005/8/layout/lProcess2"/>
+    <dgm:cxn modelId="{D761A738-3FF3-4D2A-AF56-972B052486FF}" type="presOf" srcId="{0B13AEB8-82EE-4602-8A0F-9B86D61DF541}" destId="{412C806B-E116-4C20-94F5-2EBF72B79581}" srcOrd="0" destOrd="0" presId="urn:microsoft.com/office/officeart/2005/8/layout/lProcess2"/>
+    <dgm:cxn modelId="{8D5EE43A-5CD1-4FD7-BD4C-F0911C455515}" type="presOf" srcId="{39A31B4E-5D22-483A-914D-9F51B822D9C1}" destId="{5212789F-9EE8-4FDA-8E59-1585B4C2BD61}" srcOrd="0" destOrd="0" presId="urn:microsoft.com/office/officeart/2005/8/layout/lProcess2"/>
+    <dgm:cxn modelId="{184EB23F-CE54-4556-A6CC-6245C61E005A}" type="presOf" srcId="{FFCA02A8-929B-4DB5-87E4-BC38B9028C7A}" destId="{2CDFC7E5-5066-41D0-929E-6EBA1C8C9E81}" srcOrd="0" destOrd="0" presId="urn:microsoft.com/office/officeart/2005/8/layout/lProcess2"/>
+    <dgm:cxn modelId="{CE66B540-632D-46D9-BBE2-1ED53B0095CF}" srcId="{69CAD96F-2214-437D-976F-BB2FCB1E233B}" destId="{85452EA6-E65B-4EAA-AEB0-46AD40CA61CC}" srcOrd="6" destOrd="0" parTransId="{977DF12C-67D9-4D56-B245-5D2371E3200A}" sibTransId="{48E8CC07-846A-4E6D-9723-B8836E2147CF}"/>
+    <dgm:cxn modelId="{EA0FCD40-4BDF-4B4C-A187-2789537D58F7}" srcId="{69CAD96F-2214-437D-976F-BB2FCB1E233B}" destId="{FA5E13B3-8862-47B1-87D8-A8193B1CCF22}" srcOrd="2" destOrd="0" parTransId="{5478C28E-7AE0-415E-99F6-B25B8557BBF8}" sibTransId="{07A31D5B-7131-4D5A-92FB-FA922AD364DC}"/>
+    <dgm:cxn modelId="{3E459160-7A72-49C5-9D48-478F7AC964B9}" srcId="{462FC66C-4537-46DD-AD09-5311AEB55B78}" destId="{69CAD96F-2214-437D-976F-BB2FCB1E233B}" srcOrd="2" destOrd="0" parTransId="{9E83F182-ABA9-4501-8754-60752BBC9BA4}" sibTransId="{137215E0-6FA2-4A79-BC69-544F5C1E40E7}"/>
+    <dgm:cxn modelId="{5BFBBF46-1C86-4A8B-81AA-2B301C4C4529}" srcId="{69CAD96F-2214-437D-976F-BB2FCB1E233B}" destId="{4E9F7669-3178-49E3-B22A-90FE39C04A5C}" srcOrd="5" destOrd="0" parTransId="{42F8F550-EC62-4FF2-8663-EB2C3AA16569}" sibTransId="{60013915-9750-4E21-9484-E0BD579A9479}"/>
+    <dgm:cxn modelId="{48BF8868-AA98-4897-B636-425DE52F8FC2}" srcId="{4A7BCF0D-4FFE-4F2F-B27D-1824C725CA4B}" destId="{07BC5A8B-BE8B-47A1-8494-8F2028B71C5B}" srcOrd="2" destOrd="0" parTransId="{F94FE74E-F0AB-4EE6-B44C-41C1878007E4}" sibTransId="{551F01A5-92EA-4277-910E-23664DDD7B27}"/>
+    <dgm:cxn modelId="{491B2751-CE05-4C2D-8FCF-CB7B64357C3E}" type="presOf" srcId="{357B945D-32D3-4C10-9960-1A5EA72EBF4C}" destId="{53534D2A-6642-4AD6-954B-D5E613AF6DCA}" srcOrd="0" destOrd="0" presId="urn:microsoft.com/office/officeart/2005/8/layout/lProcess2"/>
     <dgm:cxn modelId="{A366FA52-AB95-4C8F-BB92-A0C3E89EA6D2}" type="presOf" srcId="{69CAD96F-2214-437D-976F-BB2FCB1E233B}" destId="{F2CEB691-BF95-401E-AD92-83009CAEC48C}" srcOrd="0" destOrd="0" presId="urn:microsoft.com/office/officeart/2005/8/layout/lProcess2"/>
-    <dgm:cxn modelId="{3D16ABAF-A023-490B-9E8B-C8E7C4ED4416}" type="presOf" srcId="{A7D38405-79D5-4F88-A68D-BFA4553F6E22}" destId="{1C09694C-BC2D-4EB3-A0ED-C47CEDA2DF7C}" srcOrd="0" destOrd="0" presId="urn:microsoft.com/office/officeart/2005/8/layout/lProcess2"/>
-    <dgm:cxn modelId="{753154B3-DCB2-4FF7-8E98-36CDDEDC3D4F}" type="presOf" srcId="{4A7BCF0D-4FFE-4F2F-B27D-1824C725CA4B}" destId="{2421614A-F5EE-4914-B2D7-974A8A6CC824}" srcOrd="1" destOrd="0" presId="urn:microsoft.com/office/officeart/2005/8/layout/lProcess2"/>
-    <dgm:cxn modelId="{EA0FCD40-4BDF-4B4C-A187-2789537D58F7}" srcId="{69CAD96F-2214-437D-976F-BB2FCB1E233B}" destId="{FA5E13B3-8862-47B1-87D8-A8193B1CCF22}" srcOrd="2" destOrd="0" parTransId="{5478C28E-7AE0-415E-99F6-B25B8557BBF8}" sibTransId="{07A31D5B-7131-4D5A-92FB-FA922AD364DC}"/>
-    <dgm:cxn modelId="{D761A738-3FF3-4D2A-AF56-972B052486FF}" type="presOf" srcId="{0B13AEB8-82EE-4602-8A0F-9B86D61DF541}" destId="{412C806B-E116-4C20-94F5-2EBF72B79581}" srcOrd="0" destOrd="0" presId="urn:microsoft.com/office/officeart/2005/8/layout/lProcess2"/>
-    <dgm:cxn modelId="{2DCCAA20-972B-41A4-9C22-7F78CA36B51C}" srcId="{69CAD96F-2214-437D-976F-BB2FCB1E233B}" destId="{C60C61D5-60DF-4784-9608-41FCE0AE302D}" srcOrd="1" destOrd="0" parTransId="{C81C0818-8F3B-497C-A001-7AAC1C76E7DF}" sibTransId="{8A60E9C2-3B79-4630-BB5E-8009BC9D61FC}"/>
-    <dgm:cxn modelId="{8D5EE43A-5CD1-4FD7-BD4C-F0911C455515}" type="presOf" srcId="{39A31B4E-5D22-483A-914D-9F51B822D9C1}" destId="{5212789F-9EE8-4FDA-8E59-1585B4C2BD61}" srcOrd="0" destOrd="0" presId="urn:microsoft.com/office/officeart/2005/8/layout/lProcess2"/>
-    <dgm:cxn modelId="{1AAFC4D9-DBA3-424F-AE35-A7D0E29DAE6E}" type="presOf" srcId="{69CAD96F-2214-437D-976F-BB2FCB1E233B}" destId="{ED151383-EADA-4507-A147-8BA590D44CD7}" srcOrd="1" destOrd="0" presId="urn:microsoft.com/office/officeart/2005/8/layout/lProcess2"/>
     <dgm:cxn modelId="{6A69645A-8A18-4D63-8622-85412B7E6A8E}" srcId="{69CAD96F-2214-437D-976F-BB2FCB1E233B}" destId="{A7D38405-79D5-4F88-A68D-BFA4553F6E22}" srcOrd="0" destOrd="0" parTransId="{AE97A2B5-0D8C-4DAB-ACA0-E6C3ACAE054F}" sibTransId="{E2BB7621-BDCE-48C0-8AB6-F37BC3C4E41A}"/>
     <dgm:cxn modelId="{A4131196-11C7-4F23-A846-8CDBE52E1CC0}" srcId="{462FC66C-4537-46DD-AD09-5311AEB55B78}" destId="{59B5020B-1AC8-47B8-9EF2-24376FD5E687}" srcOrd="1" destOrd="0" parTransId="{C431ADEA-A30C-4BB7-8FB9-612083D3EA31}" sibTransId="{9C2584B4-F51B-41E0-9E28-7C151850817A}"/>
-    <dgm:cxn modelId="{C10D2D2C-4670-45C2-881A-E903A6C00441}" type="presOf" srcId="{4E9F7669-3178-49E3-B22A-90FE39C04A5C}" destId="{0909BC48-2EBD-436E-A263-E92983BC1F2B}" srcOrd="0" destOrd="0" presId="urn:microsoft.com/office/officeart/2005/8/layout/lProcess2"/>
+    <dgm:cxn modelId="{CA4B39A5-5B01-49D4-8691-4D8E218487EF}" srcId="{69CAD96F-2214-437D-976F-BB2FCB1E233B}" destId="{176985DD-EFF6-40B3-81BC-C326751AF9C9}" srcOrd="4" destOrd="0" parTransId="{461D0263-D31C-49C3-BA7E-7622827DB943}" sibTransId="{5DE664FC-F91A-4387-803B-D06490A97A2F}"/>
+    <dgm:cxn modelId="{3D16ABAF-A023-490B-9E8B-C8E7C4ED4416}" type="presOf" srcId="{A7D38405-79D5-4F88-A68D-BFA4553F6E22}" destId="{1C09694C-BC2D-4EB3-A0ED-C47CEDA2DF7C}" srcOrd="0" destOrd="0" presId="urn:microsoft.com/office/officeart/2005/8/layout/lProcess2"/>
+    <dgm:cxn modelId="{BD7AE2AF-1A9D-486A-89C8-31A86E825419}" type="presOf" srcId="{116F4389-3F63-4C96-B313-A54E764C2F14}" destId="{4E717ADA-8AED-4C30-AE38-E830D88E8E44}" srcOrd="0" destOrd="0" presId="urn:microsoft.com/office/officeart/2005/8/layout/lProcess2"/>
+    <dgm:cxn modelId="{B7D87BB0-1A15-45E8-B6C0-0FDA1788C79D}" type="presOf" srcId="{07BC5A8B-BE8B-47A1-8494-8F2028B71C5B}" destId="{9CF60F40-9CE7-41AE-8463-5ABE159E3084}" srcOrd="0" destOrd="0" presId="urn:microsoft.com/office/officeart/2005/8/layout/lProcess2"/>
+    <dgm:cxn modelId="{753154B3-DCB2-4FF7-8E98-36CDDEDC3D4F}" type="presOf" srcId="{4A7BCF0D-4FFE-4F2F-B27D-1824C725CA4B}" destId="{2421614A-F5EE-4914-B2D7-974A8A6CC824}" srcOrd="1" destOrd="0" presId="urn:microsoft.com/office/officeart/2005/8/layout/lProcess2"/>
+    <dgm:cxn modelId="{7732A3B5-8F5F-4662-BDEF-3EF778F09C96}" type="presOf" srcId="{C3B5C5DA-A5EB-444D-BAE8-ACA75F67289F}" destId="{6E9D502D-84BA-4FA0-9B12-F4A2BCEBD16E}" srcOrd="0" destOrd="0" presId="urn:microsoft.com/office/officeart/2005/8/layout/lProcess2"/>
+    <dgm:cxn modelId="{C332DDB6-A00C-4145-9F89-039408276E94}" type="presOf" srcId="{B2F5A533-2A82-4D70-9C54-2A6D0C7B07CE}" destId="{54438750-F5EC-43EB-86DC-44BBB640F533}" srcOrd="0" destOrd="0" presId="urn:microsoft.com/office/officeart/2005/8/layout/lProcess2"/>
+    <dgm:cxn modelId="{38F357BC-3F91-4BE8-BB77-3027E16049B1}" type="presOf" srcId="{462FC66C-4537-46DD-AD09-5311AEB55B78}" destId="{D9324906-E447-4BA7-89A0-138AF55AB108}" srcOrd="0" destOrd="0" presId="urn:microsoft.com/office/officeart/2005/8/layout/lProcess2"/>
+    <dgm:cxn modelId="{13D616C2-1FF7-404A-99F8-17F5E987B943}" srcId="{59B5020B-1AC8-47B8-9EF2-24376FD5E687}" destId="{39A31B4E-5D22-483A-914D-9F51B822D9C1}" srcOrd="1" destOrd="0" parTransId="{845056AE-8833-4BBA-A151-6D3163E6D7E3}" sibTransId="{83C6F3F2-F5B5-41DC-9276-5A212CBF8D7F}"/>
+    <dgm:cxn modelId="{9DF934C2-824D-4C44-9D45-C38569192E65}" type="presOf" srcId="{59B5020B-1AC8-47B8-9EF2-24376FD5E687}" destId="{B527D4FF-A3D4-450F-82A7-5447CFB4C3E2}" srcOrd="0" destOrd="0" presId="urn:microsoft.com/office/officeart/2005/8/layout/lProcess2"/>
+    <dgm:cxn modelId="{A6F0FAC9-E1B0-4E82-828E-AC378B9F3075}" type="presOf" srcId="{C60C61D5-60DF-4784-9608-41FCE0AE302D}" destId="{2ACBCE4E-2B8A-4E0A-B8E2-BDF658BBDBC7}" srcOrd="0" destOrd="0" presId="urn:microsoft.com/office/officeart/2005/8/layout/lProcess2"/>
+    <dgm:cxn modelId="{BFACAACF-A51E-45B3-87A3-0C3FD75AC39E}" type="presOf" srcId="{59B5020B-1AC8-47B8-9EF2-24376FD5E687}" destId="{0F43D085-8E53-41FC-98F0-506978F456C9}" srcOrd="1" destOrd="0" presId="urn:microsoft.com/office/officeart/2005/8/layout/lProcess2"/>
     <dgm:cxn modelId="{FC9F2BD5-02B8-4BE3-A68B-CEF4AC69A2F8}" type="presOf" srcId="{FA5E13B3-8862-47B1-87D8-A8193B1CCF22}" destId="{ABBE9DC9-BDAC-4ACD-A33E-9E81A7527BE5}" srcOrd="0" destOrd="0" presId="urn:microsoft.com/office/officeart/2005/8/layout/lProcess2"/>
-    <dgm:cxn modelId="{48BF8868-AA98-4897-B636-425DE52F8FC2}" srcId="{4A7BCF0D-4FFE-4F2F-B27D-1824C725CA4B}" destId="{07BC5A8B-BE8B-47A1-8494-8F2028B71C5B}" srcOrd="2" destOrd="0" parTransId="{F94FE74E-F0AB-4EE6-B44C-41C1878007E4}" sibTransId="{551F01A5-92EA-4277-910E-23664DDD7B27}"/>
-    <dgm:cxn modelId="{9DF934C2-824D-4C44-9D45-C38569192E65}" type="presOf" srcId="{59B5020B-1AC8-47B8-9EF2-24376FD5E687}" destId="{B527D4FF-A3D4-450F-82A7-5447CFB4C3E2}" srcOrd="0" destOrd="0" presId="urn:microsoft.com/office/officeart/2005/8/layout/lProcess2"/>
-    <dgm:cxn modelId="{BFACAACF-A51E-45B3-87A3-0C3FD75AC39E}" type="presOf" srcId="{59B5020B-1AC8-47B8-9EF2-24376FD5E687}" destId="{0F43D085-8E53-41FC-98F0-506978F456C9}" srcOrd="1" destOrd="0" presId="urn:microsoft.com/office/officeart/2005/8/layout/lProcess2"/>
+    <dgm:cxn modelId="{DDFF8AD6-2FCB-41F9-A056-BABBF91FB6E0}" type="presOf" srcId="{0168AD56-580F-49F5-8408-147510692D17}" destId="{5E784036-D738-44A3-A411-D6F1BCB08007}" srcOrd="0" destOrd="0" presId="urn:microsoft.com/office/officeart/2005/8/layout/lProcess2"/>
+    <dgm:cxn modelId="{1AAFC4D9-DBA3-424F-AE35-A7D0E29DAE6E}" type="presOf" srcId="{69CAD96F-2214-437D-976F-BB2FCB1E233B}" destId="{ED151383-EADA-4507-A147-8BA590D44CD7}" srcOrd="1" destOrd="0" presId="urn:microsoft.com/office/officeart/2005/8/layout/lProcess2"/>
+    <dgm:cxn modelId="{A76185DF-8766-452F-9812-F0A1A35183D3}" srcId="{59B5020B-1AC8-47B8-9EF2-24376FD5E687}" destId="{B2F5A533-2A82-4D70-9C54-2A6D0C7B07CE}" srcOrd="5" destOrd="0" parTransId="{3FC89C03-417F-4247-957A-9E782034C94A}" sibTransId="{86E79E4B-460D-4861-91CA-C93EB5601635}"/>
     <dgm:cxn modelId="{10D0A3E9-D0A6-4BCA-91FA-36B10DC28FA4}" srcId="{4A7BCF0D-4FFE-4F2F-B27D-1824C725CA4B}" destId="{FFCA02A8-929B-4DB5-87E4-BC38B9028C7A}" srcOrd="3" destOrd="0" parTransId="{F9D36477-45E6-4B2E-8957-535AC3600C2A}" sibTransId="{62C02568-4E64-4BDC-A216-2A6076492BE5}"/>
-    <dgm:cxn modelId="{3E459160-7A72-49C5-9D48-478F7AC964B9}" srcId="{462FC66C-4537-46DD-AD09-5311AEB55B78}" destId="{69CAD96F-2214-437D-976F-BB2FCB1E233B}" srcOrd="2" destOrd="0" parTransId="{9E83F182-ABA9-4501-8754-60752BBC9BA4}" sibTransId="{137215E0-6FA2-4A79-BC69-544F5C1E40E7}"/>
-    <dgm:cxn modelId="{7732A3B5-8F5F-4662-BDEF-3EF778F09C96}" type="presOf" srcId="{C3B5C5DA-A5EB-444D-BAE8-ACA75F67289F}" destId="{6E9D502D-84BA-4FA0-9B12-F4A2BCEBD16E}" srcOrd="0" destOrd="0" presId="urn:microsoft.com/office/officeart/2005/8/layout/lProcess2"/>
-    <dgm:cxn modelId="{A6F0FAC9-E1B0-4E82-828E-AC378B9F3075}" type="presOf" srcId="{C60C61D5-60DF-4784-9608-41FCE0AE302D}" destId="{2ACBCE4E-2B8A-4E0A-B8E2-BDF658BBDBC7}" srcOrd="0" destOrd="0" presId="urn:microsoft.com/office/officeart/2005/8/layout/lProcess2"/>
-    <dgm:cxn modelId="{CE66B540-632D-46D9-BBE2-1ED53B0095CF}" srcId="{69CAD96F-2214-437D-976F-BB2FCB1E233B}" destId="{85452EA6-E65B-4EAA-AEB0-46AD40CA61CC}" srcOrd="6" destOrd="0" parTransId="{977DF12C-67D9-4D56-B245-5D2371E3200A}" sibTransId="{48E8CC07-846A-4E6D-9723-B8836E2147CF}"/>
     <dgm:cxn modelId="{5247ACEB-C3AC-4C6F-A9B3-4A48420033A8}" srcId="{59B5020B-1AC8-47B8-9EF2-24376FD5E687}" destId="{15CD747F-BAD5-4011-BDEF-335AF8C7B76C}" srcOrd="4" destOrd="0" parTransId="{9A6CD941-E311-4A44-8197-0C807B876C2F}" sibTransId="{1BAFC581-1936-47CD-90F4-DBC4321B1065}"/>
-    <dgm:cxn modelId="{C332DDB6-A00C-4145-9F89-039408276E94}" type="presOf" srcId="{B2F5A533-2A82-4D70-9C54-2A6D0C7B07CE}" destId="{54438750-F5EC-43EB-86DC-44BBB640F533}" srcOrd="0" destOrd="0" presId="urn:microsoft.com/office/officeart/2005/8/layout/lProcess2"/>
-    <dgm:cxn modelId="{DDFF8AD6-2FCB-41F9-A056-BABBF91FB6E0}" type="presOf" srcId="{0168AD56-580F-49F5-8408-147510692D17}" destId="{5E784036-D738-44A3-A411-D6F1BCB08007}" srcOrd="0" destOrd="0" presId="urn:microsoft.com/office/officeart/2005/8/layout/lProcess2"/>
+    <dgm:cxn modelId="{14E033F0-164C-4CE6-85D1-99400B91C757}" srcId="{59B5020B-1AC8-47B8-9EF2-24376FD5E687}" destId="{C3B5C5DA-A5EB-444D-BAE8-ACA75F67289F}" srcOrd="3" destOrd="0" parTransId="{198F12F2-A73A-4FFE-A567-3C0DFF941EDF}" sibTransId="{44C655FF-F922-4A12-9114-D3A24963BD8A}"/>
+    <dgm:cxn modelId="{98C682F2-22C5-45A0-8B91-2FD65CF4071F}" srcId="{462FC66C-4537-46DD-AD09-5311AEB55B78}" destId="{4A7BCF0D-4FFE-4F2F-B27D-1824C725CA4B}" srcOrd="0" destOrd="0" parTransId="{DF69E87C-E1AF-4BAC-BE5A-F14FF9EAF157}" sibTransId="{8050A57E-EC17-4A2B-917A-17A9C9A4C27A}"/>
+    <dgm:cxn modelId="{0202E0FA-51AA-4AEB-92C1-82D0279BD115}" type="presOf" srcId="{4A7BCF0D-4FFE-4F2F-B27D-1824C725CA4B}" destId="{DC5490E9-8F4F-4759-A540-A08BF90B6525}" srcOrd="0" destOrd="0" presId="urn:microsoft.com/office/officeart/2005/8/layout/lProcess2"/>
+    <dgm:cxn modelId="{FE09B8FC-0649-4EB6-AE36-48CC4A5CF91E}" srcId="{59B5020B-1AC8-47B8-9EF2-24376FD5E687}" destId="{116F4389-3F63-4C96-B313-A54E764C2F14}" srcOrd="0" destOrd="0" parTransId="{8B7D1A81-C2A3-4286-A6EC-80F9E5760037}" sibTransId="{B3B1B2ED-34B0-44AD-B0BD-D77B5EF33139}"/>
     <dgm:cxn modelId="{579B7AC4-4C18-4D79-A1B8-E89CA05E8424}" type="presParOf" srcId="{D9324906-E447-4BA7-89A0-138AF55AB108}" destId="{B042EBF4-CFEE-4BAD-9CAF-882E6D357416}" srcOrd="0" destOrd="0" presId="urn:microsoft.com/office/officeart/2005/8/layout/lProcess2"/>
     <dgm:cxn modelId="{D5282C51-66EE-4667-B7DD-91622B8BF5BF}" type="presParOf" srcId="{B042EBF4-CFEE-4BAD-9CAF-882E6D357416}" destId="{DC5490E9-8F4F-4759-A540-A08BF90B6525}" srcOrd="0" destOrd="0" presId="urn:microsoft.com/office/officeart/2005/8/layout/lProcess2"/>
     <dgm:cxn modelId="{D917AC99-2321-4CBF-A064-C4A18D5EDF09}" type="presParOf" srcId="{B042EBF4-CFEE-4BAD-9CAF-882E6D357416}" destId="{2421614A-F5EE-4914-B2D7-974A8A6CC824}" srcOrd="1" destOrd="0" presId="urn:microsoft.com/office/officeart/2005/8/layout/lProcess2"/>
@@ -4327,13 +4166,6 @@
     <dgm:pt modelId="{FD4217EA-E8D6-4DEE-98C1-9971C6A98B81}" type="pres">
       <dgm:prSet presAssocID="{BC137D29-6210-4B97-9539-A35360D00214}" presName="bkgdShape" presStyleLbl="node1" presStyleIdx="0" presStyleCnt="1" custLinFactNeighborX="39024" custLinFactNeighborY="1031"/>
       <dgm:spPr/>
-      <dgm:t>
-        <a:bodyPr/>
-        <a:lstStyle/>
-        <a:p>
-          <a:endParaRPr lang="en-US"/>
-        </a:p>
-      </dgm:t>
     </dgm:pt>
     <dgm:pt modelId="{8D78C31A-C03C-4E16-B385-B484FE296C49}" type="pres">
       <dgm:prSet presAssocID="{BC137D29-6210-4B97-9539-A35360D00214}" presName="nodeTx" presStyleLbl="node1" presStyleIdx="0" presStyleCnt="1">
@@ -4342,13 +4174,6 @@
         </dgm:presLayoutVars>
       </dgm:prSet>
       <dgm:spPr/>
-      <dgm:t>
-        <a:bodyPr/>
-        <a:lstStyle/>
-        <a:p>
-          <a:endParaRPr lang="en-US"/>
-        </a:p>
-      </dgm:t>
     </dgm:pt>
     <dgm:pt modelId="{212DDF26-1BF5-4C4B-BE8A-51612AD9E85A}" type="pres">
       <dgm:prSet presAssocID="{BC137D29-6210-4B97-9539-A35360D00214}" presName="invisiNode" presStyleLbl="node1" presStyleIdx="0" presStyleCnt="1"/>
@@ -4393,31 +4218,31 @@
     </dgm:pt>
   </dgm:ptLst>
   <dgm:cxnLst>
-    <dgm:cxn modelId="{15778CBD-214B-4F61-A925-8519CE077B37}" type="presOf" srcId="{D013ABA8-9089-4665-A42D-249009926E2C}" destId="{FD4217EA-E8D6-4DEE-98C1-9971C6A98B81}" srcOrd="0" destOrd="2" presId="urn:microsoft.com/office/officeart/2005/8/layout/hList7"/>
-    <dgm:cxn modelId="{41CE1ADF-3AEB-418E-832C-DB92259EFEBF}" type="presOf" srcId="{CFCF7E93-3A99-43A6-9C72-B863D3648448}" destId="{FD4217EA-E8D6-4DEE-98C1-9971C6A98B81}" srcOrd="0" destOrd="6" presId="urn:microsoft.com/office/officeart/2005/8/layout/hList7"/>
+    <dgm:cxn modelId="{526DA40D-9DD5-4AFF-82D6-DBEEDC032AC4}" srcId="{BC137D29-6210-4B97-9539-A35360D00214}" destId="{56415A6E-7A06-46D2-B86D-5D73ED991F04}" srcOrd="4" destOrd="0" parTransId="{6F1C696F-E1B2-4B14-80E4-D696C940C9AB}" sibTransId="{615D54BC-939A-436F-8F76-16DA1E450950}"/>
+    <dgm:cxn modelId="{CF5BFF18-8ECE-4E4C-B232-3CB464310B30}" srcId="{BC137D29-6210-4B97-9539-A35360D00214}" destId="{C3961B21-CC0B-43A8-9403-900B195A8B96}" srcOrd="0" destOrd="0" parTransId="{DC1E9CC9-47A0-47E3-8268-E499165D453D}" sibTransId="{0DD79A0C-4D5C-4461-8F79-27DCB9243A8F}"/>
+    <dgm:cxn modelId="{8F11C221-69E5-4ECD-91B2-6097E6A79E08}" type="presOf" srcId="{101F3BB6-EC6C-4261-9D94-6356ABC60565}" destId="{B0F391BE-9959-4034-8C84-361435FDB819}" srcOrd="0" destOrd="0" presId="urn:microsoft.com/office/officeart/2005/8/layout/hList7"/>
+    <dgm:cxn modelId="{AC8ACE6C-276B-4475-B8B1-013B9E6D96E8}" type="presOf" srcId="{5294FB70-2B09-4C66-9F65-E14FBBBE5BDF}" destId="{8D78C31A-C03C-4E16-B385-B484FE296C49}" srcOrd="1" destOrd="7" presId="urn:microsoft.com/office/officeart/2005/8/layout/hList7"/>
+    <dgm:cxn modelId="{DDB32276-AC56-496A-AFA8-B94C9E239724}" srcId="{BC137D29-6210-4B97-9539-A35360D00214}" destId="{567D675D-BBB8-4EFC-87EA-396688F784A4}" srcOrd="3" destOrd="0" parTransId="{33472658-4F67-4FA0-A48E-BDAFFB5F49A3}" sibTransId="{2388D0FE-FA61-45BD-AF8D-ECC3D2C3CD25}"/>
+    <dgm:cxn modelId="{2E9F7E76-F99A-412D-AD9B-26B369F74328}" type="presOf" srcId="{567D675D-BBB8-4EFC-87EA-396688F784A4}" destId="{8D78C31A-C03C-4E16-B385-B484FE296C49}" srcOrd="1" destOrd="4" presId="urn:microsoft.com/office/officeart/2005/8/layout/hList7"/>
+    <dgm:cxn modelId="{F3D1F37F-0EAE-4458-AB45-8732CB0D5144}" type="presOf" srcId="{C3961B21-CC0B-43A8-9403-900B195A8B96}" destId="{8D78C31A-C03C-4E16-B385-B484FE296C49}" srcOrd="1" destOrd="1" presId="urn:microsoft.com/office/officeart/2005/8/layout/hList7"/>
+    <dgm:cxn modelId="{39A9A884-5313-4AFF-A69C-63DB6DD1E21A}" srcId="{BC137D29-6210-4B97-9539-A35360D00214}" destId="{5294FB70-2B09-4C66-9F65-E14FBBBE5BDF}" srcOrd="6" destOrd="0" parTransId="{080A8580-7266-4096-8BA7-5702E56045E6}" sibTransId="{FB586FAF-B96E-418E-B9AF-2FC0F1B224F3}"/>
+    <dgm:cxn modelId="{090B5F8F-787E-4B35-8B2C-0BFBA6AB5816}" srcId="{BC137D29-6210-4B97-9539-A35360D00214}" destId="{D013ABA8-9089-4665-A42D-249009926E2C}" srcOrd="1" destOrd="0" parTransId="{DB909293-70D8-43E5-89E5-C0B9D5CDB3A0}" sibTransId="{78CF9897-6EE9-40F6-87E7-F3CAB8F02E28}"/>
     <dgm:cxn modelId="{88A87A93-9617-4EB4-B858-7B34B70BC1E3}" type="presOf" srcId="{4D546A93-C5F4-4091-94FB-A2FC818F367D}" destId="{FD4217EA-E8D6-4DEE-98C1-9971C6A98B81}" srcOrd="0" destOrd="3" presId="urn:microsoft.com/office/officeart/2005/8/layout/hList7"/>
-    <dgm:cxn modelId="{71F523AA-0651-4856-9997-EEE4A3823CA0}" type="presOf" srcId="{56415A6E-7A06-46D2-B86D-5D73ED991F04}" destId="{FD4217EA-E8D6-4DEE-98C1-9971C6A98B81}" srcOrd="0" destOrd="5" presId="urn:microsoft.com/office/officeart/2005/8/layout/hList7"/>
-    <dgm:cxn modelId="{2E9F7E76-F99A-412D-AD9B-26B369F74328}" type="presOf" srcId="{567D675D-BBB8-4EFC-87EA-396688F784A4}" destId="{8D78C31A-C03C-4E16-B385-B484FE296C49}" srcOrd="1" destOrd="4" presId="urn:microsoft.com/office/officeart/2005/8/layout/hList7"/>
-    <dgm:cxn modelId="{090B5F8F-787E-4B35-8B2C-0BFBA6AB5816}" srcId="{BC137D29-6210-4B97-9539-A35360D00214}" destId="{D013ABA8-9089-4665-A42D-249009926E2C}" srcOrd="1" destOrd="0" parTransId="{DB909293-70D8-43E5-89E5-C0B9D5CDB3A0}" sibTransId="{78CF9897-6EE9-40F6-87E7-F3CAB8F02E28}"/>
-    <dgm:cxn modelId="{DDA279AB-2925-446C-92B8-9E6F05D323ED}" type="presOf" srcId="{BC137D29-6210-4B97-9539-A35360D00214}" destId="{FD4217EA-E8D6-4DEE-98C1-9971C6A98B81}" srcOrd="0" destOrd="0" presId="urn:microsoft.com/office/officeart/2005/8/layout/hList7"/>
-    <dgm:cxn modelId="{187428D1-10A9-4119-B301-5BAFFBAB7F6F}" type="presOf" srcId="{C3961B21-CC0B-43A8-9403-900B195A8B96}" destId="{FD4217EA-E8D6-4DEE-98C1-9971C6A98B81}" srcOrd="0" destOrd="1" presId="urn:microsoft.com/office/officeart/2005/8/layout/hList7"/>
-    <dgm:cxn modelId="{39A9A884-5313-4AFF-A69C-63DB6DD1E21A}" srcId="{BC137D29-6210-4B97-9539-A35360D00214}" destId="{5294FB70-2B09-4C66-9F65-E14FBBBE5BDF}" srcOrd="6" destOrd="0" parTransId="{080A8580-7266-4096-8BA7-5702E56045E6}" sibTransId="{FB586FAF-B96E-418E-B9AF-2FC0F1B224F3}"/>
-    <dgm:cxn modelId="{CB5D039F-1ADA-42BA-A157-0136269974DA}" type="presOf" srcId="{BC137D29-6210-4B97-9539-A35360D00214}" destId="{8D78C31A-C03C-4E16-B385-B484FE296C49}" srcOrd="1" destOrd="0" presId="urn:microsoft.com/office/officeart/2005/8/layout/hList7"/>
     <dgm:cxn modelId="{9DB6BC95-9B04-4CD8-A767-ED57963FD13C}" srcId="{101F3BB6-EC6C-4261-9D94-6356ABC60565}" destId="{BC137D29-6210-4B97-9539-A35360D00214}" srcOrd="0" destOrd="0" parTransId="{50720936-7407-4591-924D-B2C64752B2C6}" sibTransId="{C0347A40-B92A-40E7-BAA9-71110648C713}"/>
     <dgm:cxn modelId="{E998689B-463D-41E3-A00A-977840494413}" type="presOf" srcId="{5294FB70-2B09-4C66-9F65-E14FBBBE5BDF}" destId="{FD4217EA-E8D6-4DEE-98C1-9971C6A98B81}" srcOrd="0" destOrd="7" presId="urn:microsoft.com/office/officeart/2005/8/layout/hList7"/>
-    <dgm:cxn modelId="{526DA40D-9DD5-4AFF-82D6-DBEEDC032AC4}" srcId="{BC137D29-6210-4B97-9539-A35360D00214}" destId="{56415A6E-7A06-46D2-B86D-5D73ED991F04}" srcOrd="4" destOrd="0" parTransId="{6F1C696F-E1B2-4B14-80E4-D696C940C9AB}" sibTransId="{615D54BC-939A-436F-8F76-16DA1E450950}"/>
+    <dgm:cxn modelId="{CB5D039F-1ADA-42BA-A157-0136269974DA}" type="presOf" srcId="{BC137D29-6210-4B97-9539-A35360D00214}" destId="{8D78C31A-C03C-4E16-B385-B484FE296C49}" srcOrd="1" destOrd="0" presId="urn:microsoft.com/office/officeart/2005/8/layout/hList7"/>
     <dgm:cxn modelId="{FA71989F-B0AF-45C0-88F0-510A0F82FE32}" type="presOf" srcId="{56415A6E-7A06-46D2-B86D-5D73ED991F04}" destId="{8D78C31A-C03C-4E16-B385-B484FE296C49}" srcOrd="1" destOrd="5" presId="urn:microsoft.com/office/officeart/2005/8/layout/hList7"/>
-    <dgm:cxn modelId="{CF5BFF18-8ECE-4E4C-B232-3CB464310B30}" srcId="{BC137D29-6210-4B97-9539-A35360D00214}" destId="{C3961B21-CC0B-43A8-9403-900B195A8B96}" srcOrd="0" destOrd="0" parTransId="{DC1E9CC9-47A0-47E3-8268-E499165D453D}" sibTransId="{0DD79A0C-4D5C-4461-8F79-27DCB9243A8F}"/>
+    <dgm:cxn modelId="{AC24EFA1-627C-4F70-BBF3-9B3B8A739682}" type="presOf" srcId="{CFCF7E93-3A99-43A6-9C72-B863D3648448}" destId="{8D78C31A-C03C-4E16-B385-B484FE296C49}" srcOrd="1" destOrd="6" presId="urn:microsoft.com/office/officeart/2005/8/layout/hList7"/>
+    <dgm:cxn modelId="{71F523AA-0651-4856-9997-EEE4A3823CA0}" type="presOf" srcId="{56415A6E-7A06-46D2-B86D-5D73ED991F04}" destId="{FD4217EA-E8D6-4DEE-98C1-9971C6A98B81}" srcOrd="0" destOrd="5" presId="urn:microsoft.com/office/officeart/2005/8/layout/hList7"/>
+    <dgm:cxn modelId="{DDA279AB-2925-446C-92B8-9E6F05D323ED}" type="presOf" srcId="{BC137D29-6210-4B97-9539-A35360D00214}" destId="{FD4217EA-E8D6-4DEE-98C1-9971C6A98B81}" srcOrd="0" destOrd="0" presId="urn:microsoft.com/office/officeart/2005/8/layout/hList7"/>
+    <dgm:cxn modelId="{09A1A8BB-5E36-4926-91E9-3853A49D66A3}" type="presOf" srcId="{567D675D-BBB8-4EFC-87EA-396688F784A4}" destId="{FD4217EA-E8D6-4DEE-98C1-9971C6A98B81}" srcOrd="0" destOrd="4" presId="urn:microsoft.com/office/officeart/2005/8/layout/hList7"/>
+    <dgm:cxn modelId="{15778CBD-214B-4F61-A925-8519CE077B37}" type="presOf" srcId="{D013ABA8-9089-4665-A42D-249009926E2C}" destId="{FD4217EA-E8D6-4DEE-98C1-9971C6A98B81}" srcOrd="0" destOrd="2" presId="urn:microsoft.com/office/officeart/2005/8/layout/hList7"/>
+    <dgm:cxn modelId="{187428D1-10A9-4119-B301-5BAFFBAB7F6F}" type="presOf" srcId="{C3961B21-CC0B-43A8-9403-900B195A8B96}" destId="{FD4217EA-E8D6-4DEE-98C1-9971C6A98B81}" srcOrd="0" destOrd="1" presId="urn:microsoft.com/office/officeart/2005/8/layout/hList7"/>
+    <dgm:cxn modelId="{9C0E4AD5-53FD-4C33-B798-CFA3A1DBA228}" type="presOf" srcId="{4D546A93-C5F4-4091-94FB-A2FC818F367D}" destId="{8D78C31A-C03C-4E16-B385-B484FE296C49}" srcOrd="1" destOrd="3" presId="urn:microsoft.com/office/officeart/2005/8/layout/hList7"/>
+    <dgm:cxn modelId="{41CE1ADF-3AEB-418E-832C-DB92259EFEBF}" type="presOf" srcId="{CFCF7E93-3A99-43A6-9C72-B863D3648448}" destId="{FD4217EA-E8D6-4DEE-98C1-9971C6A98B81}" srcOrd="0" destOrd="6" presId="urn:microsoft.com/office/officeart/2005/8/layout/hList7"/>
+    <dgm:cxn modelId="{95914BEC-7C4D-497E-A01D-0A39413B1DCC}" srcId="{BC137D29-6210-4B97-9539-A35360D00214}" destId="{CFCF7E93-3A99-43A6-9C72-B863D3648448}" srcOrd="5" destOrd="0" parTransId="{5B8759BC-379C-4DDA-9FCD-D98E15823BC1}" sibTransId="{46201059-71D4-454A-86E9-5F4A1A91C452}"/>
     <dgm:cxn modelId="{C37766F2-8900-4721-B39B-CB11B3F4A89B}" srcId="{BC137D29-6210-4B97-9539-A35360D00214}" destId="{4D546A93-C5F4-4091-94FB-A2FC818F367D}" srcOrd="2" destOrd="0" parTransId="{053C4F8B-15CC-4272-83C8-2FC11E2B0164}" sibTransId="{1F366E2A-B066-41FC-A135-E442106AD5CD}"/>
     <dgm:cxn modelId="{E4A909FA-9E20-4A3F-A100-B25FAD734B6E}" type="presOf" srcId="{D013ABA8-9089-4665-A42D-249009926E2C}" destId="{8D78C31A-C03C-4E16-B385-B484FE296C49}" srcOrd="1" destOrd="2" presId="urn:microsoft.com/office/officeart/2005/8/layout/hList7"/>
-    <dgm:cxn modelId="{DDB32276-AC56-496A-AFA8-B94C9E239724}" srcId="{BC137D29-6210-4B97-9539-A35360D00214}" destId="{567D675D-BBB8-4EFC-87EA-396688F784A4}" srcOrd="3" destOrd="0" parTransId="{33472658-4F67-4FA0-A48E-BDAFFB5F49A3}" sibTransId="{2388D0FE-FA61-45BD-AF8D-ECC3D2C3CD25}"/>
-    <dgm:cxn modelId="{8F11C221-69E5-4ECD-91B2-6097E6A79E08}" type="presOf" srcId="{101F3BB6-EC6C-4261-9D94-6356ABC60565}" destId="{B0F391BE-9959-4034-8C84-361435FDB819}" srcOrd="0" destOrd="0" presId="urn:microsoft.com/office/officeart/2005/8/layout/hList7"/>
-    <dgm:cxn modelId="{AC8ACE6C-276B-4475-B8B1-013B9E6D96E8}" type="presOf" srcId="{5294FB70-2B09-4C66-9F65-E14FBBBE5BDF}" destId="{8D78C31A-C03C-4E16-B385-B484FE296C49}" srcOrd="1" destOrd="7" presId="urn:microsoft.com/office/officeart/2005/8/layout/hList7"/>
-    <dgm:cxn modelId="{95914BEC-7C4D-497E-A01D-0A39413B1DCC}" srcId="{BC137D29-6210-4B97-9539-A35360D00214}" destId="{CFCF7E93-3A99-43A6-9C72-B863D3648448}" srcOrd="5" destOrd="0" parTransId="{5B8759BC-379C-4DDA-9FCD-D98E15823BC1}" sibTransId="{46201059-71D4-454A-86E9-5F4A1A91C452}"/>
-    <dgm:cxn modelId="{9C0E4AD5-53FD-4C33-B798-CFA3A1DBA228}" type="presOf" srcId="{4D546A93-C5F4-4091-94FB-A2FC818F367D}" destId="{8D78C31A-C03C-4E16-B385-B484FE296C49}" srcOrd="1" destOrd="3" presId="urn:microsoft.com/office/officeart/2005/8/layout/hList7"/>
-    <dgm:cxn modelId="{09A1A8BB-5E36-4926-91E9-3853A49D66A3}" type="presOf" srcId="{567D675D-BBB8-4EFC-87EA-396688F784A4}" destId="{FD4217EA-E8D6-4DEE-98C1-9971C6A98B81}" srcOrd="0" destOrd="4" presId="urn:microsoft.com/office/officeart/2005/8/layout/hList7"/>
-    <dgm:cxn modelId="{F3D1F37F-0EAE-4458-AB45-8732CB0D5144}" type="presOf" srcId="{C3961B21-CC0B-43A8-9403-900B195A8B96}" destId="{8D78C31A-C03C-4E16-B385-B484FE296C49}" srcOrd="1" destOrd="1" presId="urn:microsoft.com/office/officeart/2005/8/layout/hList7"/>
-    <dgm:cxn modelId="{AC24EFA1-627C-4F70-BBF3-9B3B8A739682}" type="presOf" srcId="{CFCF7E93-3A99-43A6-9C72-B863D3648448}" destId="{8D78C31A-C03C-4E16-B385-B484FE296C49}" srcOrd="1" destOrd="6" presId="urn:microsoft.com/office/officeart/2005/8/layout/hList7"/>
     <dgm:cxn modelId="{03761C99-6878-473E-80E2-2351A29CE9E3}" type="presParOf" srcId="{B0F391BE-9959-4034-8C84-361435FDB819}" destId="{7F050530-865E-4E18-B9A1-40916D198BEC}" srcOrd="0" destOrd="0" presId="urn:microsoft.com/office/officeart/2005/8/layout/hList7"/>
     <dgm:cxn modelId="{76CDCD95-9F23-4CDB-94A3-80B9AA7FAF27}" type="presParOf" srcId="{B0F391BE-9959-4034-8C84-361435FDB819}" destId="{264960F4-A0B0-43D5-B68D-EFDE9ABD0A10}" srcOrd="1" destOrd="0" presId="urn:microsoft.com/office/officeart/2005/8/layout/hList7"/>
     <dgm:cxn modelId="{9214BD15-846A-43B3-9169-8CCC37B204B9}" type="presParOf" srcId="{264960F4-A0B0-43D5-B68D-EFDE9ABD0A10}" destId="{703F95AC-CBF9-4882-9A9F-9B7BC7FC4DD5}" srcOrd="0" destOrd="0" presId="urn:microsoft.com/office/officeart/2005/8/layout/hList7"/>
@@ -4491,7 +4316,7 @@
         </a:bodyPr>
         <a:lstStyle/>
         <a:p>
-          <a:pPr lvl="0" algn="ctr" defTabSz="666750">
+          <a:pPr marL="0" lvl="0" indent="0" algn="ctr" defTabSz="666750">
             <a:lnSpc>
               <a:spcPct val="90000"/>
             </a:lnSpc>
@@ -4501,6 +4326,7 @@
             <a:spcAft>
               <a:spcPct val="35000"/>
             </a:spcAft>
+            <a:buNone/>
           </a:pPr>
           <a:r>
             <a:rPr lang="en-US" sz="1500" kern="1200" dirty="0">
@@ -4582,7 +4408,7 @@
         </a:bodyPr>
         <a:lstStyle/>
         <a:p>
-          <a:pPr lvl="0" algn="ctr" defTabSz="400050">
+          <a:pPr marL="0" lvl="0" indent="0" algn="ctr" defTabSz="400050">
             <a:lnSpc>
               <a:spcPct val="90000"/>
             </a:lnSpc>
@@ -4592,6 +4418,7 @@
             <a:spcAft>
               <a:spcPct val="35000"/>
             </a:spcAft>
+            <a:buNone/>
           </a:pPr>
           <a:r>
             <a:rPr lang="en-US" sz="900" kern="1200" dirty="0">
@@ -4668,7 +4495,7 @@
         </a:bodyPr>
         <a:lstStyle/>
         <a:p>
-          <a:pPr lvl="0" algn="ctr" defTabSz="400050">
+          <a:pPr marL="0" lvl="0" indent="0" algn="ctr" defTabSz="400050">
             <a:lnSpc>
               <a:spcPct val="90000"/>
             </a:lnSpc>
@@ -4678,6 +4505,7 @@
             <a:spcAft>
               <a:spcPct val="35000"/>
             </a:spcAft>
+            <a:buNone/>
           </a:pPr>
           <a:r>
             <a:rPr lang="en-US" sz="900" kern="1200" dirty="0">
@@ -4754,7 +4582,7 @@
         </a:bodyPr>
         <a:lstStyle/>
         <a:p>
-          <a:pPr lvl="0" algn="ctr" defTabSz="400050">
+          <a:pPr marL="0" lvl="0" indent="0" algn="ctr" defTabSz="400050">
             <a:lnSpc>
               <a:spcPct val="90000"/>
             </a:lnSpc>
@@ -4764,6 +4592,7 @@
             <a:spcAft>
               <a:spcPct val="35000"/>
             </a:spcAft>
+            <a:buNone/>
           </a:pPr>
           <a:r>
             <a:rPr lang="en-US" sz="900" kern="1200" dirty="0">
@@ -4840,7 +4669,7 @@
         </a:bodyPr>
         <a:lstStyle/>
         <a:p>
-          <a:pPr lvl="0" algn="ctr" defTabSz="400050">
+          <a:pPr marL="0" lvl="0" indent="0" algn="ctr" defTabSz="400050">
             <a:lnSpc>
               <a:spcPct val="90000"/>
             </a:lnSpc>
@@ -4850,6 +4679,7 @@
             <a:spcAft>
               <a:spcPct val="35000"/>
             </a:spcAft>
+            <a:buNone/>
           </a:pPr>
           <a:r>
             <a:rPr lang="en-US" sz="900" kern="1200" dirty="0">
@@ -4916,7 +4746,7 @@
         </a:bodyPr>
         <a:lstStyle/>
         <a:p>
-          <a:pPr lvl="0" algn="ctr" defTabSz="666750">
+          <a:pPr marL="0" lvl="0" indent="0" algn="ctr" defTabSz="666750">
             <a:lnSpc>
               <a:spcPct val="90000"/>
             </a:lnSpc>
@@ -4926,6 +4756,7 @@
             <a:spcAft>
               <a:spcPct val="35000"/>
             </a:spcAft>
+            <a:buNone/>
           </a:pPr>
           <a:r>
             <a:rPr lang="en-US" sz="1500" kern="1200" dirty="0">
@@ -5007,7 +4838,7 @@
         </a:bodyPr>
         <a:lstStyle/>
         <a:p>
-          <a:pPr lvl="0" algn="ctr" defTabSz="400050">
+          <a:pPr marL="0" lvl="0" indent="0" algn="ctr" defTabSz="400050">
             <a:lnSpc>
               <a:spcPct val="90000"/>
             </a:lnSpc>
@@ -5017,6 +4848,7 @@
             <a:spcAft>
               <a:spcPct val="35000"/>
             </a:spcAft>
+            <a:buNone/>
           </a:pPr>
           <a:r>
             <a:rPr lang="en-US" sz="900" kern="1200" dirty="0">
@@ -5093,7 +4925,7 @@
         </a:bodyPr>
         <a:lstStyle/>
         <a:p>
-          <a:pPr lvl="0" algn="ctr" defTabSz="400050">
+          <a:pPr marL="0" lvl="0" indent="0" algn="ctr" defTabSz="400050">
             <a:lnSpc>
               <a:spcPct val="90000"/>
             </a:lnSpc>
@@ -5103,6 +4935,7 @@
             <a:spcAft>
               <a:spcPct val="35000"/>
             </a:spcAft>
+            <a:buNone/>
           </a:pPr>
           <a:r>
             <a:rPr lang="en-US" sz="900" kern="1200" dirty="0">
@@ -5179,7 +5012,7 @@
         </a:bodyPr>
         <a:lstStyle/>
         <a:p>
-          <a:pPr lvl="0" algn="ctr" defTabSz="444500">
+          <a:pPr marL="0" lvl="0" indent="0" algn="ctr" defTabSz="444500">
             <a:lnSpc>
               <a:spcPct val="90000"/>
             </a:lnSpc>
@@ -5189,6 +5022,7 @@
             <a:spcAft>
               <a:spcPct val="35000"/>
             </a:spcAft>
+            <a:buNone/>
           </a:pPr>
           <a:r>
             <a:rPr lang="en-US" sz="1000" kern="1200" dirty="0">
@@ -5265,7 +5099,7 @@
         </a:bodyPr>
         <a:lstStyle/>
         <a:p>
-          <a:pPr lvl="0" algn="ctr" defTabSz="400050">
+          <a:pPr marL="0" lvl="0" indent="0" algn="ctr" defTabSz="400050">
             <a:lnSpc>
               <a:spcPct val="90000"/>
             </a:lnSpc>
@@ -5275,6 +5109,7 @@
             <a:spcAft>
               <a:spcPct val="35000"/>
             </a:spcAft>
+            <a:buNone/>
           </a:pPr>
           <a:r>
             <a:rPr lang="en-US" sz="900" kern="1200" dirty="0">
@@ -5351,7 +5186,7 @@
         </a:bodyPr>
         <a:lstStyle/>
         <a:p>
-          <a:pPr lvl="0" algn="ctr" defTabSz="400050">
+          <a:pPr marL="0" lvl="0" indent="0" algn="ctr" defTabSz="400050">
             <a:lnSpc>
               <a:spcPct val="90000"/>
             </a:lnSpc>
@@ -5361,6 +5196,7 @@
             <a:spcAft>
               <a:spcPct val="35000"/>
             </a:spcAft>
+            <a:buNone/>
           </a:pPr>
           <a:r>
             <a:rPr lang="en-US" sz="900" kern="1200" dirty="0">
@@ -5437,7 +5273,7 @@
         </a:bodyPr>
         <a:lstStyle/>
         <a:p>
-          <a:pPr lvl="0" algn="ctr" defTabSz="400050">
+          <a:pPr marL="0" lvl="0" indent="0" algn="ctr" defTabSz="400050">
             <a:lnSpc>
               <a:spcPct val="90000"/>
             </a:lnSpc>
@@ -5447,6 +5283,7 @@
             <a:spcAft>
               <a:spcPct val="35000"/>
             </a:spcAft>
+            <a:buNone/>
           </a:pPr>
           <a:r>
             <a:rPr lang="en-US" sz="900" kern="1200" dirty="0">
@@ -5513,7 +5350,7 @@
         </a:bodyPr>
         <a:lstStyle/>
         <a:p>
-          <a:pPr lvl="0" algn="ctr" defTabSz="666750">
+          <a:pPr marL="0" lvl="0" indent="0" algn="ctr" defTabSz="666750">
             <a:lnSpc>
               <a:spcPct val="90000"/>
             </a:lnSpc>
@@ -5523,6 +5360,7 @@
             <a:spcAft>
               <a:spcPct val="35000"/>
             </a:spcAft>
+            <a:buNone/>
           </a:pPr>
           <a:r>
             <a:rPr lang="en-US" sz="1500" kern="1200" dirty="0">
@@ -5604,7 +5442,7 @@
         </a:bodyPr>
         <a:lstStyle/>
         <a:p>
-          <a:pPr lvl="0" algn="ctr" defTabSz="400050">
+          <a:pPr marL="0" lvl="0" indent="0" algn="ctr" defTabSz="400050">
             <a:lnSpc>
               <a:spcPct val="90000"/>
             </a:lnSpc>
@@ -5614,6 +5452,7 @@
             <a:spcAft>
               <a:spcPct val="35000"/>
             </a:spcAft>
+            <a:buNone/>
           </a:pPr>
           <a:r>
             <a:rPr lang="en-US" sz="900" kern="1200">
@@ -5698,7 +5537,7 @@
         </a:bodyPr>
         <a:lstStyle/>
         <a:p>
-          <a:pPr lvl="0" algn="ctr" defTabSz="400050">
+          <a:pPr marL="0" lvl="0" indent="0" algn="ctr" defTabSz="400050">
             <a:lnSpc>
               <a:spcPct val="90000"/>
             </a:lnSpc>
@@ -5708,6 +5547,7 @@
             <a:spcAft>
               <a:spcPct val="35000"/>
             </a:spcAft>
+            <a:buNone/>
           </a:pPr>
           <a:r>
             <a:rPr lang="en-US" sz="900" kern="1200">
@@ -5792,7 +5632,7 @@
         </a:bodyPr>
         <a:lstStyle/>
         <a:p>
-          <a:pPr lvl="0" algn="ctr" defTabSz="400050">
+          <a:pPr marL="0" lvl="0" indent="0" algn="ctr" defTabSz="400050">
             <a:lnSpc>
               <a:spcPct val="90000"/>
             </a:lnSpc>
@@ -5802,6 +5642,7 @@
             <a:spcAft>
               <a:spcPct val="35000"/>
             </a:spcAft>
+            <a:buNone/>
           </a:pPr>
           <a:r>
             <a:rPr lang="en-US" sz="900" kern="1200" dirty="0">
@@ -5878,7 +5719,7 @@
         </a:bodyPr>
         <a:lstStyle/>
         <a:p>
-          <a:pPr lvl="0" algn="ctr" defTabSz="400050">
+          <a:pPr marL="0" lvl="0" indent="0" algn="ctr" defTabSz="400050">
             <a:lnSpc>
               <a:spcPct val="90000"/>
             </a:lnSpc>
@@ -5888,6 +5729,7 @@
             <a:spcAft>
               <a:spcPct val="35000"/>
             </a:spcAft>
+            <a:buNone/>
           </a:pPr>
           <a:r>
             <a:rPr lang="en-US" sz="900" kern="1200">
@@ -5972,7 +5814,7 @@
         </a:bodyPr>
         <a:lstStyle/>
         <a:p>
-          <a:pPr lvl="0" algn="ctr" defTabSz="400050">
+          <a:pPr marL="0" lvl="0" indent="0" algn="ctr" defTabSz="400050">
             <a:lnSpc>
               <a:spcPct val="90000"/>
             </a:lnSpc>
@@ -5982,6 +5824,7 @@
             <a:spcAft>
               <a:spcPct val="35000"/>
             </a:spcAft>
+            <a:buNone/>
           </a:pPr>
           <a:r>
             <a:rPr lang="en-US" sz="900" kern="1200" dirty="0" err="1">
@@ -6069,7 +5912,7 @@
         </a:bodyPr>
         <a:lstStyle/>
         <a:p>
-          <a:pPr lvl="0" algn="ctr" defTabSz="400050">
+          <a:pPr marL="0" lvl="0" indent="0" algn="ctr" defTabSz="400050">
             <a:lnSpc>
               <a:spcPct val="90000"/>
             </a:lnSpc>
@@ -6079,6 +5922,7 @@
             <a:spcAft>
               <a:spcPct val="35000"/>
             </a:spcAft>
+            <a:buNone/>
           </a:pPr>
           <a:r>
             <a:rPr lang="en-US" sz="900" kern="1200" dirty="0">
@@ -6155,7 +5999,7 @@
         </a:bodyPr>
         <a:lstStyle/>
         <a:p>
-          <a:pPr lvl="0" algn="ctr" defTabSz="400050">
+          <a:pPr marL="0" lvl="0" indent="0" algn="ctr" defTabSz="400050">
             <a:lnSpc>
               <a:spcPct val="90000"/>
             </a:lnSpc>
@@ -6165,6 +6009,7 @@
             <a:spcAft>
               <a:spcPct val="35000"/>
             </a:spcAft>
+            <a:buNone/>
           </a:pPr>
           <a:r>
             <a:rPr lang="en-US" sz="900" kern="1200" dirty="0">
@@ -6253,7 +6098,7 @@
         </a:bodyPr>
         <a:lstStyle/>
         <a:p>
-          <a:pPr lvl="0" algn="l" defTabSz="711200">
+          <a:pPr marL="0" lvl="0" indent="0" algn="l" defTabSz="711200">
             <a:lnSpc>
               <a:spcPct val="90000"/>
             </a:lnSpc>
@@ -6263,6 +6108,7 @@
             <a:spcAft>
               <a:spcPct val="35000"/>
             </a:spcAft>
+            <a:buNone/>
           </a:pPr>
           <a:r>
             <a:rPr lang="en-US" sz="1600" kern="1200" dirty="0">
@@ -6287,7 +6133,7 @@
             <a:spcAft>
               <a:spcPct val="15000"/>
             </a:spcAft>
-            <a:buChar char="••"/>
+            <a:buChar char="•"/>
           </a:pPr>
           <a:r>
             <a:rPr lang="en-US" sz="1200" kern="1200" dirty="0">
@@ -6312,7 +6158,7 @@
             <a:spcAft>
               <a:spcPct val="15000"/>
             </a:spcAft>
-            <a:buChar char="••"/>
+            <a:buChar char="•"/>
           </a:pPr>
           <a:r>
             <a:rPr lang="en-US" sz="1200" kern="1200" dirty="0">
@@ -6337,7 +6183,7 @@
             <a:spcAft>
               <a:spcPct val="15000"/>
             </a:spcAft>
-            <a:buChar char="••"/>
+            <a:buChar char="•"/>
           </a:pPr>
           <a:r>
             <a:rPr lang="en-US" sz="1200" kern="1200" dirty="0">
@@ -6362,7 +6208,7 @@
             <a:spcAft>
               <a:spcPct val="15000"/>
             </a:spcAft>
-            <a:buChar char="••"/>
+            <a:buChar char="•"/>
           </a:pPr>
           <a:r>
             <a:rPr lang="en-US" sz="1200" kern="1200" dirty="0">
@@ -6387,7 +6233,7 @@
             <a:spcAft>
               <a:spcPct val="15000"/>
             </a:spcAft>
-            <a:buChar char="••"/>
+            <a:buChar char="•"/>
           </a:pPr>
           <a:r>
             <a:rPr lang="en-US" sz="1200" kern="1200" dirty="0">
@@ -6412,7 +6258,7 @@
             <a:spcAft>
               <a:spcPct val="15000"/>
             </a:spcAft>
-            <a:buChar char="••"/>
+            <a:buChar char="•"/>
           </a:pPr>
           <a:r>
             <a:rPr lang="en-US" sz="1200" kern="1200" dirty="0">
@@ -6437,7 +6283,7 @@
             <a:spcAft>
               <a:spcPct val="15000"/>
             </a:spcAft>
-            <a:buChar char="••"/>
+            <a:buChar char="•"/>
           </a:pPr>
           <a:r>
             <a:rPr lang="en-US" sz="1200" kern="1200" dirty="0">
@@ -9145,7 +8991,7 @@
               <a:pPr>
                 <a:defRPr/>
               </a:pPr>
-              <a:t>11/13/2019</a:t>
+              <a:t>11/24/2019</a:t>
             </a:fld>
             <a:endParaRPr lang="en-US" dirty="0"/>
           </a:p>
@@ -12794,7 +12640,7 @@
               </a14:hiddenLine>
             </a:ext>
             <a:ext uri="{FAA26D3D-D897-4be2-8F04-BA451C77F1D7}">
-              <ma14:placeholderFlag xmlns:ma14="http://schemas.microsoft.com/office/mac/drawingml/2011/main" xmlns="" val="1"/>
+              <ma14:placeholderFlag xmlns="" xmlns:ma14="http://schemas.microsoft.com/office/mac/drawingml/2011/main" val="1"/>
             </a:ext>
           </a:extLst>
         </p:spPr>
@@ -13404,7 +13250,7 @@
           <a:lstStyle/>
           <a:p>
             <a:r>
-              <a:rPr lang="en-US" smtClean="0">
+              <a:rPr lang="en-US">
                 <a:solidFill>
                   <a:schemeClr val="tx1"/>
                 </a:solidFill>
@@ -13534,7 +13380,7 @@
                 <a14:useLocalDpi xmlns:a14="http://schemas.microsoft.com/office/drawing/2010/main" val="0"/>
               </a:ext>
               <a:ext uri="{96DAC541-7B7A-43D3-8B79-37D633B846F1}">
-                <asvg:svgBlip xmlns:asvg="http://schemas.microsoft.com/office/drawing/2016/SVG/main" xmlns="" r:embed="rId3"/>
+                <asvg:svgBlip xmlns:asvg="http://schemas.microsoft.com/office/drawing/2016/SVG/main" r:embed="rId3"/>
               </a:ext>
             </a:extLst>
           </a:blip>
@@ -13575,7 +13421,7 @@
           <a:lstStyle/>
           <a:p>
             <a:r>
-              <a:rPr lang="en-US" b="1" dirty="0" smtClean="0"/>
+              <a:rPr lang="en-US" b="1" dirty="0"/>
               <a:t>Slides, videos, links and more:</a:t>
             </a:r>
           </a:p>
@@ -13584,15 +13430,9 @@
               <a:rPr lang="en-US" dirty="0">
                 <a:hlinkClick r:id="rId4"/>
               </a:rPr>
-              <a:t>https://</a:t>
-            </a:r>
-            <a:r>
-              <a:rPr lang="en-US" dirty="0" smtClean="0">
-                <a:hlinkClick r:id="rId4"/>
-              </a:rPr>
-              <a:t>github.com/physicell-training/01-Welcome-to-training</a:t>
-            </a:r>
-            <a:endParaRPr lang="en-US" dirty="0" smtClean="0"/>
+              <a:t>https://github.com/physicell-training/01-Welcome-to-training</a:t>
+            </a:r>
+            <a:endParaRPr lang="en-US" dirty="0"/>
           </a:p>
         </p:txBody>
       </p:sp>
@@ -13971,12 +13811,15 @@
         <p:spPr/>
         <p:txBody>
           <a:bodyPr>
-            <a:normAutofit fontScale="92500" lnSpcReduction="10000"/>
+            <a:normAutofit lnSpcReduction="10000"/>
           </a:bodyPr>
           <a:lstStyle/>
           <a:p>
             <a:pPr marL="0" indent="0">
               <a:buNone/>
+              <a:tabLst>
+                <a:tab pos="1828800" algn="l"/>
+              </a:tabLst>
             </a:pPr>
             <a:r>
               <a:rPr lang="en-US" b="1" dirty="0">
@@ -13988,42 +13831,41 @@
             </a:r>
             <a:r>
               <a:rPr lang="en-US" dirty="0"/>
-              <a:t> </a:t>
-            </a:r>
-            <a:r>
-              <a:rPr lang="en-US"/>
-              <a:t>	</a:t>
-            </a:r>
-            <a:r>
-              <a:rPr lang="en-US" smtClean="0"/>
-              <a:t>	Please </a:t>
-            </a:r>
-            <a:r>
-              <a:rPr lang="en-US" dirty="0"/>
-              <a:t>proceed to 02 	</a:t>
+              <a:t> 	Please proceed to 2 (Title… )</a:t>
             </a:r>
             <a:br>
               <a:rPr lang="en-US" dirty="0"/>
             </a:br>
             <a:r>
+              <a:rPr lang="en-US" b="1" dirty="0"/>
+              <a:t>Link:</a:t>
+            </a:r>
+            <a:r>
               <a:rPr lang="en-US" dirty="0"/>
-              <a:t>			(How to use a PhysiCell App on </a:t>
-            </a:r>
-            <a:r>
-              <a:rPr lang="en-US" dirty="0" err="1"/>
-              <a:t>nanoHUB</a:t>
-            </a:r>
-            <a:r>
-              <a:rPr lang="en-US" dirty="0"/>
-              <a:t>)</a:t>
-            </a:r>
-          </a:p>
-          <a:p>
+              <a:t> 	</a:t>
+            </a:r>
+            <a:r>
+              <a:rPr lang="en-US" dirty="0">
+                <a:hlinkClick r:id="rId2"/>
+              </a:rPr>
+              <a:t>https://github.com/physicell-training/01-What-you-need</a:t>
+            </a:r>
+            <a:endParaRPr lang="en-US" dirty="0"/>
+          </a:p>
+          <a:p>
+            <a:pPr>
+              <a:tabLst>
+                <a:tab pos="1828800" algn="l"/>
+              </a:tabLst>
+            </a:pPr>
             <a:endParaRPr lang="en-US" dirty="0"/>
           </a:p>
           <a:p>
             <a:pPr marL="0" indent="0">
               <a:buNone/>
+              <a:tabLst>
+                <a:tab pos="1828800" algn="l"/>
+              </a:tabLst>
             </a:pPr>
             <a:r>
               <a:rPr lang="en-US" b="1" dirty="0">
@@ -14047,30 +13889,41 @@
             </a:r>
             <a:r>
               <a:rPr lang="en-US" dirty="0"/>
-              <a:t>	Please proceed to 02</a:t>
+              <a:t>	Please proceed to 2 (Title …)</a:t>
             </a:r>
             <a:br>
               <a:rPr lang="en-US" dirty="0"/>
             </a:br>
             <a:r>
+              <a:rPr lang="en-US" b="1" dirty="0"/>
+              <a:t>Link:</a:t>
+            </a:r>
+            <a:r>
               <a:rPr lang="en-US" dirty="0"/>
-              <a:t>			(How to use a PhysiCell App on </a:t>
-            </a:r>
-            <a:r>
-              <a:rPr lang="en-US" dirty="0" err="1"/>
-              <a:t>nanoHUB</a:t>
-            </a:r>
-            <a:r>
-              <a:rPr lang="en-US" dirty="0"/>
-              <a:t>)</a:t>
-            </a:r>
-          </a:p>
-          <a:p>
+              <a:t> 	</a:t>
+            </a:r>
+            <a:r>
+              <a:rPr lang="en-US" dirty="0">
+                <a:hlinkClick r:id="rId2"/>
+              </a:rPr>
+              <a:t>https://github.com/physicell-training/01-What-you-need</a:t>
+            </a:r>
+            <a:endParaRPr lang="en-US" dirty="0"/>
+          </a:p>
+          <a:p>
+            <a:pPr>
+              <a:tabLst>
+                <a:tab pos="1828800" algn="l"/>
+              </a:tabLst>
+            </a:pPr>
             <a:endParaRPr lang="en-US" dirty="0"/>
           </a:p>
           <a:p>
             <a:pPr marL="0" indent="0">
               <a:buNone/>
+              <a:tabLst>
+                <a:tab pos="1828800" algn="l"/>
+              </a:tabLst>
             </a:pPr>
             <a:r>
               <a:rPr lang="en-US" b="1" dirty="0">
@@ -14082,110 +13935,61 @@
             </a:r>
             <a:r>
               <a:rPr lang="en-US" dirty="0"/>
-              <a:t> 	Please proceed to 02</a:t>
+              <a:t> 	Please proceed to 2 (Title …)</a:t>
             </a:r>
             <a:br>
               <a:rPr lang="en-US" dirty="0"/>
             </a:br>
             <a:r>
-              <a:rPr lang="en-US" dirty="0"/>
-              <a:t>			(How to use a PhysiCell App on </a:t>
-            </a:r>
-            <a:r>
-              <a:rPr lang="en-US" dirty="0" err="1"/>
-              <a:t>nanoHUB</a:t>
-            </a:r>
-            <a:r>
-              <a:rPr lang="en-US" dirty="0"/>
-              <a:t>)</a:t>
-            </a:r>
-          </a:p>
-          <a:p>
-            <a:pPr marL="0" indent="0">
-              <a:buNone/>
-            </a:pPr>
-            <a:endParaRPr lang="en-US" b="1" dirty="0"/>
-          </a:p>
-          <a:p>
-            <a:pPr marL="0" indent="0">
-              <a:buNone/>
-            </a:pPr>
-            <a:r>
               <a:rPr lang="en-US" b="1" dirty="0"/>
-              <a:t>link:</a:t>
+              <a:t>Link:</a:t>
             </a:r>
             <a:r>
               <a:rPr lang="en-US" dirty="0"/>
               <a:t> 	</a:t>
-            </a:r>
-            <a:r>
-              <a:rPr lang="en-US" dirty="0" smtClean="0"/>
-              <a:t>	</a:t>
-            </a:r>
-            <a:r>
-              <a:rPr lang="en-US" dirty="0" smtClean="0">
-                <a:hlinkClick r:id="rId2"/>
-              </a:rPr>
-              <a:t>https</a:t>
             </a:r>
             <a:r>
               <a:rPr lang="en-US" dirty="0">
                 <a:hlinkClick r:id="rId2"/>
               </a:rPr>
-              <a:t>://www.github.com/</a:t>
-            </a:r>
-            <a:r>
-              <a:rPr lang="en-US" dirty="0" err="1">
-                <a:hlinkClick r:id="rId2"/>
-              </a:rPr>
-              <a:t>PhysiCell</a:t>
-            </a:r>
-            <a:r>
-              <a:rPr lang="en-US" dirty="0">
-                <a:hlinkClick r:id="rId2"/>
-              </a:rPr>
-              <a:t>-Training</a:t>
-            </a:r>
-            <a:r>
-              <a:rPr lang="en-US" dirty="0" smtClean="0">
-                <a:hlinkClick r:id="rId2"/>
-              </a:rPr>
-              <a:t>/</a:t>
-            </a:r>
-            <a:r>
-              <a:rPr lang="en-US" dirty="0" smtClean="0"/>
-              <a:t>....</a:t>
-            </a:r>
+              <a:t>https://github.com/physicell-training/01-What-you-need</a:t>
+            </a:r>
+            <a:endParaRPr lang="en-US" dirty="0"/>
           </a:p>
           <a:p>
             <a:pPr marL="0" indent="0">
               <a:buNone/>
+              <a:tabLst>
+                <a:tab pos="1828800" algn="l"/>
+              </a:tabLst>
             </a:pPr>
-            <a:r>
-              <a:rPr lang="en-US" b="1" dirty="0" smtClean="0"/>
+            <a:endParaRPr lang="en-US" b="1" dirty="0"/>
+          </a:p>
+          <a:p>
+            <a:pPr marL="0" indent="0">
+              <a:buNone/>
+              <a:tabLst>
+                <a:tab pos="1828800" algn="l"/>
+              </a:tabLst>
+            </a:pPr>
+            <a:r>
+              <a:rPr lang="en-US" b="1" dirty="0"/>
               <a:t>More materials:</a:t>
             </a:r>
             <a:r>
-              <a:rPr lang="en-US" dirty="0" smtClean="0"/>
+              <a:rPr lang="en-US" dirty="0"/>
               <a:t> 	</a:t>
             </a:r>
             <a:r>
               <a:rPr lang="en-US" dirty="0">
                 <a:hlinkClick r:id="rId3"/>
               </a:rPr>
-              <a:t>https://</a:t>
-            </a:r>
-            <a:r>
-              <a:rPr lang="en-US" dirty="0" smtClean="0">
-                <a:hlinkClick r:id="rId3"/>
-              </a:rPr>
-              <a:t>github.com/physicell-training/master-list</a:t>
-            </a:r>
-            <a:r>
-              <a:rPr lang="en-US" dirty="0" smtClean="0"/>
+              <a:t>https://github.com/physicell-training/master-list</a:t>
+            </a:r>
+            <a:r>
+              <a:rPr lang="en-US" dirty="0"/>
               <a:t> </a:t>
             </a:r>
-            <a:endParaRPr lang="en-US" dirty="0"/>
           </a:p>
         </p:txBody>
       </p:sp>
@@ -14241,10 +14045,9 @@
           <a:lstStyle/>
           <a:p>
             <a:r>
-              <a:rPr lang="en-US" dirty="0" smtClean="0"/>
+              <a:rPr lang="en-US" dirty="0"/>
               <a:t>Credits</a:t>
             </a:r>
-            <a:endParaRPr lang="en-US" dirty="0"/>
           </a:p>
         </p:txBody>
       </p:sp>
@@ -14279,7 +14082,7 @@
             </a:pPr>
             <a:r>
               <a:rPr lang="en-US" b="1" dirty="0"/>
-              <a:t>Module Planning:</a:t>
+              <a:t>Lesson Planning:</a:t>
             </a:r>
             <a:r>
               <a:rPr lang="en-US" dirty="0"/>
